--- a/week1/Intro.pptx
+++ b/week1/Intro.pptx
@@ -1,6 +1,6 @@
 
 <file path=ppt/presentation.xml><?xml version="1.0" encoding="utf-8"?>
-<p:presentation xmlns:a="http://schemas.openxmlformats.org/drawingml/2006/main" xmlns:p="http://schemas.openxmlformats.org/presentationml/2006/main" xmlns:r="http://schemas.openxmlformats.org/officeDocument/2006/relationships" autoCompressPictures="0" saveSubsetFonts="1">
+<p:presentation xmlns:a="http://schemas.openxmlformats.org/drawingml/2006/main" xmlns:r="http://schemas.openxmlformats.org/officeDocument/2006/relationships" xmlns:p="http://schemas.openxmlformats.org/presentationml/2006/main" saveSubsetFonts="1" autoCompressPictures="0">
   <p:sldMasterIdLst>
     <p:sldMasterId id="2147483648" r:id="rId1"/>
   </p:sldMasterIdLst>
@@ -36,8 +36,8 @@
     <a:defPPr>
       <a:defRPr lang="en-US"/>
     </a:defPPr>
-    <a:lvl1pPr algn="l" defTabSz="457200" eaLnBrk="1" hangingPunct="1" latinLnBrk="0" marL="0" rtl="0">
-      <a:defRPr kern="1200" sz="1800">
+    <a:lvl1pPr marL="0" algn="l" defTabSz="457200" rtl="0" eaLnBrk="1" latinLnBrk="0" hangingPunct="1">
+      <a:defRPr sz="1800" kern="1200">
         <a:solidFill>
           <a:schemeClr val="tx1"/>
         </a:solidFill>
@@ -46,8 +46,8 @@
         <a:cs typeface="+mn-cs"/>
       </a:defRPr>
     </a:lvl1pPr>
-    <a:lvl2pPr algn="l" defTabSz="457200" eaLnBrk="1" hangingPunct="1" latinLnBrk="0" marL="457200" rtl="0">
-      <a:defRPr kern="1200" sz="1800">
+    <a:lvl2pPr marL="457200" algn="l" defTabSz="457200" rtl="0" eaLnBrk="1" latinLnBrk="0" hangingPunct="1">
+      <a:defRPr sz="1800" kern="1200">
         <a:solidFill>
           <a:schemeClr val="tx1"/>
         </a:solidFill>
@@ -56,8 +56,8 @@
         <a:cs typeface="+mn-cs"/>
       </a:defRPr>
     </a:lvl2pPr>
-    <a:lvl3pPr algn="l" defTabSz="457200" eaLnBrk="1" hangingPunct="1" latinLnBrk="0" marL="914400" rtl="0">
-      <a:defRPr kern="1200" sz="1800">
+    <a:lvl3pPr marL="914400" algn="l" defTabSz="457200" rtl="0" eaLnBrk="1" latinLnBrk="0" hangingPunct="1">
+      <a:defRPr sz="1800" kern="1200">
         <a:solidFill>
           <a:schemeClr val="tx1"/>
         </a:solidFill>
@@ -66,8 +66,8 @@
         <a:cs typeface="+mn-cs"/>
       </a:defRPr>
     </a:lvl3pPr>
-    <a:lvl4pPr algn="l" defTabSz="457200" eaLnBrk="1" hangingPunct="1" latinLnBrk="0" marL="1371600" rtl="0">
-      <a:defRPr kern="1200" sz="1800">
+    <a:lvl4pPr marL="1371600" algn="l" defTabSz="457200" rtl="0" eaLnBrk="1" latinLnBrk="0" hangingPunct="1">
+      <a:defRPr sz="1800" kern="1200">
         <a:solidFill>
           <a:schemeClr val="tx1"/>
         </a:solidFill>
@@ -76,8 +76,8 @@
         <a:cs typeface="+mn-cs"/>
       </a:defRPr>
     </a:lvl4pPr>
-    <a:lvl5pPr algn="l" defTabSz="457200" eaLnBrk="1" hangingPunct="1" latinLnBrk="0" marL="1828800" rtl="0">
-      <a:defRPr kern="1200" sz="1800">
+    <a:lvl5pPr marL="1828800" algn="l" defTabSz="457200" rtl="0" eaLnBrk="1" latinLnBrk="0" hangingPunct="1">
+      <a:defRPr sz="1800" kern="1200">
         <a:solidFill>
           <a:schemeClr val="tx1"/>
         </a:solidFill>
@@ -86,8 +86,8 @@
         <a:cs typeface="+mn-cs"/>
       </a:defRPr>
     </a:lvl5pPr>
-    <a:lvl6pPr algn="l" defTabSz="457200" eaLnBrk="1" hangingPunct="1" latinLnBrk="0" marL="2286000" rtl="0">
-      <a:defRPr kern="1200" sz="1800">
+    <a:lvl6pPr marL="2286000" algn="l" defTabSz="457200" rtl="0" eaLnBrk="1" latinLnBrk="0" hangingPunct="1">
+      <a:defRPr sz="1800" kern="1200">
         <a:solidFill>
           <a:schemeClr val="tx1"/>
         </a:solidFill>
@@ -96,8 +96,8 @@
         <a:cs typeface="+mn-cs"/>
       </a:defRPr>
     </a:lvl6pPr>
-    <a:lvl7pPr algn="l" defTabSz="457200" eaLnBrk="1" hangingPunct="1" latinLnBrk="0" marL="2743200" rtl="0">
-      <a:defRPr kern="1200" sz="1800">
+    <a:lvl7pPr marL="2743200" algn="l" defTabSz="457200" rtl="0" eaLnBrk="1" latinLnBrk="0" hangingPunct="1">
+      <a:defRPr sz="1800" kern="1200">
         <a:solidFill>
           <a:schemeClr val="tx1"/>
         </a:solidFill>
@@ -106,8 +106,8 @@
         <a:cs typeface="+mn-cs"/>
       </a:defRPr>
     </a:lvl7pPr>
-    <a:lvl8pPr algn="l" defTabSz="457200" eaLnBrk="1" hangingPunct="1" latinLnBrk="0" marL="3200400" rtl="0">
-      <a:defRPr kern="1200" sz="1800">
+    <a:lvl8pPr marL="3200400" algn="l" defTabSz="457200" rtl="0" eaLnBrk="1" latinLnBrk="0" hangingPunct="1">
+      <a:defRPr sz="1800" kern="1200">
         <a:solidFill>
           <a:schemeClr val="tx1"/>
         </a:solidFill>
@@ -116,8 +116,8 @@
         <a:cs typeface="+mn-cs"/>
       </a:defRPr>
     </a:lvl8pPr>
-    <a:lvl9pPr algn="l" defTabSz="457200" eaLnBrk="1" hangingPunct="1" latinLnBrk="0" marL="3657600" rtl="0">
-      <a:defRPr kern="1200" sz="1800">
+    <a:lvl9pPr marL="3657600" algn="l" defTabSz="457200" rtl="0" eaLnBrk="1" latinLnBrk="0" hangingPunct="1">
+      <a:defRPr sz="1800" kern="1200">
         <a:solidFill>
           <a:schemeClr val="tx1"/>
         </a:solidFill>
@@ -325,7 +325,7 @@
           <a:p>
             <a:fld id="{241EB5C9-1307-BA42-ABA2-0BC069CD8E7F}" type="datetimeFigureOut">
               <a:rPr lang="en-US" smtClean="0"/>
-              <a:t>1/2/22</a:t>
+              <a:t>7/20/24</a:t>
             </a:fld>
             <a:endParaRPr lang="en-US"/>
           </a:p>
@@ -493,7 +493,7 @@
           <a:p>
             <a:fld id="{241EB5C9-1307-BA42-ABA2-0BC069CD8E7F}" type="datetimeFigureOut">
               <a:rPr lang="en-US" smtClean="0"/>
-              <a:t>1/2/22</a:t>
+              <a:t>7/20/24</a:t>
             </a:fld>
             <a:endParaRPr lang="en-US"/>
           </a:p>
@@ -671,7 +671,7 @@
           <a:p>
             <a:fld id="{241EB5C9-1307-BA42-ABA2-0BC069CD8E7F}" type="datetimeFigureOut">
               <a:rPr lang="en-US" smtClean="0"/>
-              <a:t>1/2/22</a:t>
+              <a:t>7/20/24</a:t>
             </a:fld>
             <a:endParaRPr lang="en-US"/>
           </a:p>
@@ -839,7 +839,7 @@
           <a:p>
             <a:fld id="{241EB5C9-1307-BA42-ABA2-0BC069CD8E7F}" type="datetimeFigureOut">
               <a:rPr lang="en-US" smtClean="0"/>
-              <a:t>1/2/22</a:t>
+              <a:t>7/20/24</a:t>
             </a:fld>
             <a:endParaRPr lang="en-US"/>
           </a:p>
@@ -1084,7 +1084,7 @@
           <a:p>
             <a:fld id="{241EB5C9-1307-BA42-ABA2-0BC069CD8E7F}" type="datetimeFigureOut">
               <a:rPr lang="en-US" smtClean="0"/>
-              <a:t>1/2/22</a:t>
+              <a:t>7/20/24</a:t>
             </a:fld>
             <a:endParaRPr lang="en-US"/>
           </a:p>
@@ -1369,7 +1369,7 @@
           <a:p>
             <a:fld id="{241EB5C9-1307-BA42-ABA2-0BC069CD8E7F}" type="datetimeFigureOut">
               <a:rPr lang="en-US" smtClean="0"/>
-              <a:t>1/2/22</a:t>
+              <a:t>7/20/24</a:t>
             </a:fld>
             <a:endParaRPr lang="en-US"/>
           </a:p>
@@ -1788,7 +1788,7 @@
           <a:p>
             <a:fld id="{241EB5C9-1307-BA42-ABA2-0BC069CD8E7F}" type="datetimeFigureOut">
               <a:rPr lang="en-US" smtClean="0"/>
-              <a:t>1/2/22</a:t>
+              <a:t>7/20/24</a:t>
             </a:fld>
             <a:endParaRPr lang="en-US"/>
           </a:p>
@@ -1905,7 +1905,7 @@
           <a:p>
             <a:fld id="{241EB5C9-1307-BA42-ABA2-0BC069CD8E7F}" type="datetimeFigureOut">
               <a:rPr lang="en-US" smtClean="0"/>
-              <a:t>1/2/22</a:t>
+              <a:t>7/20/24</a:t>
             </a:fld>
             <a:endParaRPr lang="en-US"/>
           </a:p>
@@ -2000,7 +2000,7 @@
           <a:p>
             <a:fld id="{241EB5C9-1307-BA42-ABA2-0BC069CD8E7F}" type="datetimeFigureOut">
               <a:rPr lang="en-US" smtClean="0"/>
-              <a:t>1/2/22</a:t>
+              <a:t>7/20/24</a:t>
             </a:fld>
             <a:endParaRPr lang="en-US"/>
           </a:p>
@@ -2275,7 +2275,7 @@
           <a:p>
             <a:fld id="{241EB5C9-1307-BA42-ABA2-0BC069CD8E7F}" type="datetimeFigureOut">
               <a:rPr lang="en-US" smtClean="0"/>
-              <a:t>1/2/22</a:t>
+              <a:t>7/20/24</a:t>
             </a:fld>
             <a:endParaRPr lang="en-US"/>
           </a:p>
@@ -2527,7 +2527,7 @@
           <a:p>
             <a:fld id="{241EB5C9-1307-BA42-ABA2-0BC069CD8E7F}" type="datetimeFigureOut">
               <a:rPr lang="en-US" smtClean="0"/>
-              <a:t>1/2/22</a:t>
+              <a:t>7/20/24</a:t>
             </a:fld>
             <a:endParaRPr lang="en-US"/>
           </a:p>
@@ -2589,7 +2589,7 @@
 </file>
 
 <file path=ppt/slideMasters/slideMaster1.xml><?xml version="1.0" encoding="utf-8"?>
-<p:sldMaster xmlns:a="http://schemas.openxmlformats.org/drawingml/2006/main" xmlns:p="http://schemas.openxmlformats.org/presentationml/2006/main" xmlns:r="http://schemas.openxmlformats.org/officeDocument/2006/relationships">
+<p:sldMaster xmlns:a="http://schemas.openxmlformats.org/drawingml/2006/main" xmlns:r="http://schemas.openxmlformats.org/officeDocument/2006/relationships" xmlns:p="http://schemas.openxmlformats.org/presentationml/2006/main">
   <p:cSld>
     <p:bg>
       <p:bgRef idx="1001">
@@ -2630,7 +2630,7 @@
           </a:prstGeom>
         </p:spPr>
         <p:txBody>
-          <a:bodyPr anchor="ctr" bIns="45720" lIns="91440" rIns="91440" rtlCol="0" tIns="45720" vert="horz">
+          <a:bodyPr vert="horz" lIns="91440" tIns="45720" rIns="91440" bIns="45720" rtlCol="0" anchor="ctr">
             <a:normAutofit/>
           </a:bodyPr>
           <a:lstStyle/>
@@ -2649,7 +2649,7 @@
             <a:spLocks noGrp="1"/>
           </p:cNvSpPr>
           <p:nvPr>
-            <p:ph idx="1" type="body"/>
+            <p:ph type="body" idx="1"/>
           </p:nvPr>
         </p:nvSpPr>
         <p:spPr>
@@ -2662,7 +2662,7 @@
           </a:prstGeom>
         </p:spPr>
         <p:txBody>
-          <a:bodyPr bIns="45720" lIns="91440" rIns="91440" rtlCol="0" tIns="45720" vert="horz">
+          <a:bodyPr vert="horz" lIns="91440" tIns="45720" rIns="91440" bIns="45720" rtlCol="0">
             <a:normAutofit/>
           </a:bodyPr>
           <a:lstStyle/>
@@ -2710,7 +2710,7 @@
             <a:spLocks noGrp="1"/>
           </p:cNvSpPr>
           <p:nvPr>
-            <p:ph idx="2" sz="half" type="dt"/>
+            <p:ph type="dt" sz="half" idx="2"/>
           </p:nvPr>
         </p:nvSpPr>
         <p:spPr>
@@ -2723,7 +2723,7 @@
           </a:prstGeom>
         </p:spPr>
         <p:txBody>
-          <a:bodyPr anchor="ctr" bIns="45720" lIns="91440" rIns="91440" rtlCol="0" tIns="45720" vert="horz"/>
+          <a:bodyPr vert="horz" lIns="91440" tIns="45720" rIns="91440" bIns="45720" rtlCol="0" anchor="ctr"/>
           <a:lstStyle>
             <a:lvl1pPr algn="l">
               <a:defRPr sz="900">
@@ -2738,7 +2738,7 @@
           <a:p>
             <a:fld id="{241EB5C9-1307-BA42-ABA2-0BC069CD8E7F}" type="datetimeFigureOut">
               <a:rPr lang="en-US" smtClean="0"/>
-              <a:t>1/2/22</a:t>
+              <a:t>7/20/24</a:t>
             </a:fld>
             <a:endParaRPr lang="en-US"/>
           </a:p>
@@ -2751,7 +2751,7 @@
             <a:spLocks noGrp="1"/>
           </p:cNvSpPr>
           <p:nvPr>
-            <p:ph idx="3" sz="quarter" type="ftr"/>
+            <p:ph type="ftr" sz="quarter" idx="3"/>
           </p:nvPr>
         </p:nvSpPr>
         <p:spPr>
@@ -2764,7 +2764,7 @@
           </a:prstGeom>
         </p:spPr>
         <p:txBody>
-          <a:bodyPr anchor="ctr" bIns="45720" lIns="91440" rIns="91440" rtlCol="0" tIns="45720" vert="horz"/>
+          <a:bodyPr vert="horz" lIns="91440" tIns="45720" rIns="91440" bIns="45720" rtlCol="0" anchor="ctr"/>
           <a:lstStyle>
             <a:lvl1pPr algn="ctr">
               <a:defRPr sz="900">
@@ -2788,7 +2788,7 @@
             <a:spLocks noGrp="1"/>
           </p:cNvSpPr>
           <p:nvPr>
-            <p:ph idx="4" sz="quarter" type="sldNum"/>
+            <p:ph type="sldNum" sz="quarter" idx="4"/>
           </p:nvPr>
         </p:nvSpPr>
         <p:spPr>
@@ -2801,7 +2801,7 @@
           </a:prstGeom>
         </p:spPr>
         <p:txBody>
-          <a:bodyPr anchor="ctr" bIns="45720" lIns="91440" rIns="91440" rtlCol="0" tIns="45720" vert="horz"/>
+          <a:bodyPr vert="horz" lIns="91440" tIns="45720" rIns="91440" bIns="45720" rtlCol="0" anchor="ctr"/>
           <a:lstStyle>
             <a:lvl1pPr algn="r">
               <a:defRPr sz="900">
@@ -2829,7 +2829,7 @@
       </p:ext>
     </p:extLst>
   </p:cSld>
-  <p:clrMap accent1="accent1" accent2="accent2" accent3="accent3" accent4="accent4" accent5="accent5" accent6="accent6" bg1="lt1" bg2="lt2" folHlink="folHlink" hlink="hlink" tx1="dk1" tx2="dk2"/>
+  <p:clrMap bg1="lt1" tx1="dk1" bg2="lt2" tx2="dk2" accent1="accent1" accent2="accent2" accent3="accent3" accent4="accent4" accent5="accent5" accent6="accent6" hlink="hlink" folHlink="folHlink"/>
   <p:sldLayoutIdLst>
     <p:sldLayoutId id="2147483649" r:id="rId1"/>
     <p:sldLayoutId id="2147483650" r:id="rId2"/>
@@ -2845,12 +2845,12 @@
   </p:sldLayoutIdLst>
   <p:txStyles>
     <p:titleStyle>
-      <a:lvl1pPr algn="ctr" defTabSz="342900" eaLnBrk="1" hangingPunct="1" latinLnBrk="0" rtl="0">
+      <a:lvl1pPr algn="ctr" defTabSz="342900" rtl="0" eaLnBrk="1" latinLnBrk="0" hangingPunct="1">
         <a:spcBef>
           <a:spcPct val="0"/>
         </a:spcBef>
         <a:buNone/>
-        <a:defRPr kern="1200" sz="3300">
+        <a:defRPr sz="3300" kern="1200">
           <a:solidFill>
             <a:schemeClr val="tx1"/>
           </a:solidFill>
@@ -2861,13 +2861,13 @@
       </a:lvl1pPr>
     </p:titleStyle>
     <p:bodyStyle>
-      <a:lvl1pPr algn="l" defTabSz="342900" eaLnBrk="1" hangingPunct="1" indent="-342900" latinLnBrk="0" marL="342900" rtl="0">
+      <a:lvl1pPr marL="342900" indent="-342900" algn="l" defTabSz="342900" rtl="0" eaLnBrk="1" latinLnBrk="0" hangingPunct="1">
         <a:spcBef>
           <a:spcPct val="20000"/>
         </a:spcBef>
         <a:buFont typeface="Arial"/>
         <a:buChar char="•"/>
-        <a:defRPr kern="1200" sz="2400">
+        <a:defRPr sz="2400" kern="1200">
           <a:solidFill>
             <a:schemeClr val="tx1"/>
           </a:solidFill>
@@ -2876,13 +2876,13 @@
           <a:cs typeface="+mn-cs"/>
         </a:defRPr>
       </a:lvl1pPr>
-      <a:lvl2pPr algn="l" defTabSz="342900" eaLnBrk="1" hangingPunct="1" indent="-342900" latinLnBrk="0" marL="685800" rtl="0">
+      <a:lvl2pPr marL="685800" indent="-342900" algn="l" defTabSz="342900" rtl="0" eaLnBrk="1" latinLnBrk="0" hangingPunct="1">
         <a:spcBef>
           <a:spcPct val="20000"/>
         </a:spcBef>
         <a:buFont typeface="Arial"/>
         <a:buChar char="–"/>
-        <a:defRPr kern="1200" sz="2100">
+        <a:defRPr sz="2100" kern="1200">
           <a:solidFill>
             <a:schemeClr val="tx1"/>
           </a:solidFill>
@@ -2891,13 +2891,13 @@
           <a:cs typeface="+mn-cs"/>
         </a:defRPr>
       </a:lvl2pPr>
-      <a:lvl3pPr algn="l" defTabSz="342900" eaLnBrk="1" hangingPunct="1" indent="-342900" latinLnBrk="0" marL="1028700" rtl="0">
+      <a:lvl3pPr marL="1028700" indent="-342900" algn="l" defTabSz="342900" rtl="0" eaLnBrk="1" latinLnBrk="0" hangingPunct="1">
         <a:spcBef>
           <a:spcPct val="20000"/>
         </a:spcBef>
         <a:buFont typeface="Arial"/>
         <a:buChar char="•"/>
-        <a:defRPr kern="1200" sz="1800">
+        <a:defRPr sz="1800" kern="1200">
           <a:solidFill>
             <a:schemeClr val="tx1"/>
           </a:solidFill>
@@ -2906,13 +2906,13 @@
           <a:cs typeface="+mn-cs"/>
         </a:defRPr>
       </a:lvl3pPr>
-      <a:lvl4pPr algn="l" defTabSz="342900" eaLnBrk="1" hangingPunct="1" indent="-342900" latinLnBrk="0" marL="1371600" rtl="0">
+      <a:lvl4pPr marL="1371600" indent="-342900" algn="l" defTabSz="342900" rtl="0" eaLnBrk="1" latinLnBrk="0" hangingPunct="1">
         <a:spcBef>
           <a:spcPct val="20000"/>
         </a:spcBef>
         <a:buFont typeface="Arial"/>
         <a:buChar char="–"/>
-        <a:defRPr kern="1200" sz="1500">
+        <a:defRPr sz="1500" kern="1200">
           <a:solidFill>
             <a:schemeClr val="tx1"/>
           </a:solidFill>
@@ -2921,13 +2921,13 @@
           <a:cs typeface="+mn-cs"/>
         </a:defRPr>
       </a:lvl4pPr>
-      <a:lvl5pPr algn="l" defTabSz="342900" eaLnBrk="1" hangingPunct="1" indent="-342900" latinLnBrk="0" marL="1714500" rtl="0">
+      <a:lvl5pPr marL="1714500" indent="-342900" algn="l" defTabSz="342900" rtl="0" eaLnBrk="1" latinLnBrk="0" hangingPunct="1">
         <a:spcBef>
           <a:spcPct val="20000"/>
         </a:spcBef>
         <a:buFont typeface="Arial"/>
         <a:buChar char="»"/>
-        <a:defRPr kern="1200" sz="1500">
+        <a:defRPr sz="1500" kern="1200">
           <a:solidFill>
             <a:schemeClr val="tx1"/>
           </a:solidFill>
@@ -2936,13 +2936,13 @@
           <a:cs typeface="+mn-cs"/>
         </a:defRPr>
       </a:lvl5pPr>
-      <a:lvl6pPr algn="l" defTabSz="342900" eaLnBrk="1" hangingPunct="1" indent="-342900" latinLnBrk="0" marL="2057400" rtl="0">
+      <a:lvl6pPr marL="2057400" indent="-342900" algn="l" defTabSz="342900" rtl="0" eaLnBrk="1" latinLnBrk="0" hangingPunct="1">
         <a:spcBef>
           <a:spcPct val="20000"/>
         </a:spcBef>
         <a:buFont typeface="Arial"/>
         <a:buChar char="•"/>
-        <a:defRPr kern="1200" sz="1500">
+        <a:defRPr sz="1500" kern="1200">
           <a:solidFill>
             <a:schemeClr val="tx1"/>
           </a:solidFill>
@@ -2951,13 +2951,13 @@
           <a:cs typeface="+mn-cs"/>
         </a:defRPr>
       </a:lvl6pPr>
-      <a:lvl7pPr algn="l" defTabSz="342900" eaLnBrk="1" hangingPunct="1" indent="-342900" latinLnBrk="0" marL="2400300" rtl="0">
+      <a:lvl7pPr marL="2400300" indent="-342900" algn="l" defTabSz="342900" rtl="0" eaLnBrk="1" latinLnBrk="0" hangingPunct="1">
         <a:spcBef>
           <a:spcPct val="20000"/>
         </a:spcBef>
         <a:buFont typeface="Arial"/>
         <a:buChar char="•"/>
-        <a:defRPr kern="1200" sz="1500">
+        <a:defRPr sz="1500" kern="1200">
           <a:solidFill>
             <a:schemeClr val="tx1"/>
           </a:solidFill>
@@ -2966,13 +2966,13 @@
           <a:cs typeface="+mn-cs"/>
         </a:defRPr>
       </a:lvl7pPr>
-      <a:lvl8pPr algn="l" defTabSz="342900" eaLnBrk="1" hangingPunct="1" indent="-342900" latinLnBrk="0" marL="2743200" rtl="0">
+      <a:lvl8pPr marL="2743200" indent="-342900" algn="l" defTabSz="342900" rtl="0" eaLnBrk="1" latinLnBrk="0" hangingPunct="1">
         <a:spcBef>
           <a:spcPct val="20000"/>
         </a:spcBef>
         <a:buFont typeface="Arial"/>
         <a:buChar char="•"/>
-        <a:defRPr kern="1200" sz="1500">
+        <a:defRPr sz="1500" kern="1200">
           <a:solidFill>
             <a:schemeClr val="tx1"/>
           </a:solidFill>
@@ -2981,13 +2981,13 @@
           <a:cs typeface="+mn-cs"/>
         </a:defRPr>
       </a:lvl8pPr>
-      <a:lvl9pPr algn="l" defTabSz="342900" eaLnBrk="1" hangingPunct="1" indent="-342900" latinLnBrk="0" marL="3086100" rtl="0">
+      <a:lvl9pPr marL="3086100" indent="-342900" algn="l" defTabSz="342900" rtl="0" eaLnBrk="1" latinLnBrk="0" hangingPunct="1">
         <a:spcBef>
           <a:spcPct val="20000"/>
         </a:spcBef>
         <a:buFont typeface="Arial"/>
         <a:buChar char="•"/>
-        <a:defRPr kern="1200" sz="1500">
+        <a:defRPr sz="1500" kern="1200">
           <a:solidFill>
             <a:schemeClr val="tx1"/>
           </a:solidFill>
@@ -3001,8 +3001,8 @@
       <a:defPPr>
         <a:defRPr lang="en-US"/>
       </a:defPPr>
-      <a:lvl1pPr algn="l" defTabSz="342900" eaLnBrk="1" hangingPunct="1" latinLnBrk="0" marL="0" rtl="0">
-        <a:defRPr kern="1200" sz="1350">
+      <a:lvl1pPr marL="0" algn="l" defTabSz="342900" rtl="0" eaLnBrk="1" latinLnBrk="0" hangingPunct="1">
+        <a:defRPr sz="1350" kern="1200">
           <a:solidFill>
             <a:schemeClr val="tx1"/>
           </a:solidFill>
@@ -3011,8 +3011,8 @@
           <a:cs typeface="+mn-cs"/>
         </a:defRPr>
       </a:lvl1pPr>
-      <a:lvl2pPr algn="l" defTabSz="342900" eaLnBrk="1" hangingPunct="1" latinLnBrk="0" marL="342900" rtl="0">
-        <a:defRPr kern="1200" sz="1350">
+      <a:lvl2pPr marL="342900" algn="l" defTabSz="342900" rtl="0" eaLnBrk="1" latinLnBrk="0" hangingPunct="1">
+        <a:defRPr sz="1350" kern="1200">
           <a:solidFill>
             <a:schemeClr val="tx1"/>
           </a:solidFill>
@@ -3021,8 +3021,8 @@
           <a:cs typeface="+mn-cs"/>
         </a:defRPr>
       </a:lvl2pPr>
-      <a:lvl3pPr algn="l" defTabSz="342900" eaLnBrk="1" hangingPunct="1" latinLnBrk="0" marL="685800" rtl="0">
-        <a:defRPr kern="1200" sz="1350">
+      <a:lvl3pPr marL="685800" algn="l" defTabSz="342900" rtl="0" eaLnBrk="1" latinLnBrk="0" hangingPunct="1">
+        <a:defRPr sz="1350" kern="1200">
           <a:solidFill>
             <a:schemeClr val="tx1"/>
           </a:solidFill>
@@ -3031,8 +3031,8 @@
           <a:cs typeface="+mn-cs"/>
         </a:defRPr>
       </a:lvl3pPr>
-      <a:lvl4pPr algn="l" defTabSz="342900" eaLnBrk="1" hangingPunct="1" latinLnBrk="0" marL="1028700" rtl="0">
-        <a:defRPr kern="1200" sz="1350">
+      <a:lvl4pPr marL="1028700" algn="l" defTabSz="342900" rtl="0" eaLnBrk="1" latinLnBrk="0" hangingPunct="1">
+        <a:defRPr sz="1350" kern="1200">
           <a:solidFill>
             <a:schemeClr val="tx1"/>
           </a:solidFill>
@@ -3041,8 +3041,8 @@
           <a:cs typeface="+mn-cs"/>
         </a:defRPr>
       </a:lvl4pPr>
-      <a:lvl5pPr algn="l" defTabSz="342900" eaLnBrk="1" hangingPunct="1" latinLnBrk="0" marL="1371600" rtl="0">
-        <a:defRPr kern="1200" sz="1350">
+      <a:lvl5pPr marL="1371600" algn="l" defTabSz="342900" rtl="0" eaLnBrk="1" latinLnBrk="0" hangingPunct="1">
+        <a:defRPr sz="1350" kern="1200">
           <a:solidFill>
             <a:schemeClr val="tx1"/>
           </a:solidFill>
@@ -3051,8 +3051,8 @@
           <a:cs typeface="+mn-cs"/>
         </a:defRPr>
       </a:lvl5pPr>
-      <a:lvl6pPr algn="l" defTabSz="342900" eaLnBrk="1" hangingPunct="1" latinLnBrk="0" marL="1714500" rtl="0">
-        <a:defRPr kern="1200" sz="1350">
+      <a:lvl6pPr marL="1714500" algn="l" defTabSz="342900" rtl="0" eaLnBrk="1" latinLnBrk="0" hangingPunct="1">
+        <a:defRPr sz="1350" kern="1200">
           <a:solidFill>
             <a:schemeClr val="tx1"/>
           </a:solidFill>
@@ -3061,8 +3061,8 @@
           <a:cs typeface="+mn-cs"/>
         </a:defRPr>
       </a:lvl6pPr>
-      <a:lvl7pPr algn="l" defTabSz="342900" eaLnBrk="1" hangingPunct="1" latinLnBrk="0" marL="2057400" rtl="0">
-        <a:defRPr kern="1200" sz="1350">
+      <a:lvl7pPr marL="2057400" algn="l" defTabSz="342900" rtl="0" eaLnBrk="1" latinLnBrk="0" hangingPunct="1">
+        <a:defRPr sz="1350" kern="1200">
           <a:solidFill>
             <a:schemeClr val="tx1"/>
           </a:solidFill>
@@ -3071,8 +3071,8 @@
           <a:cs typeface="+mn-cs"/>
         </a:defRPr>
       </a:lvl7pPr>
-      <a:lvl8pPr algn="l" defTabSz="342900" eaLnBrk="1" hangingPunct="1" latinLnBrk="0" marL="2400300" rtl="0">
-        <a:defRPr kern="1200" sz="1350">
+      <a:lvl8pPr marL="2400300" algn="l" defTabSz="342900" rtl="0" eaLnBrk="1" latinLnBrk="0" hangingPunct="1">
+        <a:defRPr sz="1350" kern="1200">
           <a:solidFill>
             <a:schemeClr val="tx1"/>
           </a:solidFill>
@@ -3081,8 +3081,8 @@
           <a:cs typeface="+mn-cs"/>
         </a:defRPr>
       </a:lvl8pPr>
-      <a:lvl9pPr algn="l" defTabSz="342900" eaLnBrk="1" hangingPunct="1" latinLnBrk="0" marL="2743200" rtl="0">
-        <a:defRPr kern="1200" sz="1350">
+      <a:lvl9pPr marL="2743200" algn="l" defTabSz="342900" rtl="0" eaLnBrk="1" latinLnBrk="0" hangingPunct="1">
+        <a:defRPr sz="1350" kern="1200">
           <a:solidFill>
             <a:schemeClr val="tx1"/>
           </a:solidFill>
@@ -3133,11 +3133,10 @@
           <a:bodyPr/>
           <a:lstStyle/>
           <a:p>
-            <a:pPr lvl="0" indent="0" marL="0">
+            <a:pPr marL="0" lvl="0" indent="0">
               <a:buNone/>
             </a:pPr>
             <a:r>
-              <a:rPr/>
               <a:t>R Programming for Geospatial Applications</a:t>
             </a:r>
           </a:p>
@@ -3150,7 +3149,7 @@
             <a:spLocks noGrp="1"/>
           </p:cNvSpPr>
           <p:nvPr>
-            <p:ph idx="1" type="subTitle"/>
+            <p:ph type="subTitle" idx="1"/>
           </p:nvPr>
         </p:nvSpPr>
         <p:spPr>
@@ -3163,11 +3162,12 @@
           <a:bodyPr/>
           <a:lstStyle/>
           <a:p>
-            <a:pPr lvl="0" indent="0" marL="0">
+            <a:pPr marL="0" lvl="0" indent="0">
               <a:buNone/>
             </a:pPr>
             <a:br/>
             <a:br/>
+            <a:endParaRPr/>
           </a:p>
         </p:txBody>
       </p:sp>
@@ -3178,7 +3178,7 @@
             <a:spLocks noGrp="1"/>
           </p:cNvSpPr>
           <p:nvPr>
-            <p:ph idx="10" sz="half" type="dt"/>
+            <p:ph type="dt" sz="half" idx="10"/>
           </p:nvPr>
         </p:nvSpPr>
         <p:spPr/>
@@ -3186,11 +3186,10 @@
           <a:bodyPr/>
           <a:lstStyle/>
           <a:p>
-            <a:pPr lvl="0" indent="0" marL="0">
+            <a:pPr marL="0" lvl="0" indent="0">
               <a:buNone/>
             </a:pPr>
             <a:r>
-              <a:rPr/>
               <a:t>2024-07-13</a:t>
             </a:r>
           </a:p>
@@ -3198,6 +3197,9 @@
       </p:sp>
     </p:spTree>
   </p:cSld>
+  <p:clrMapOvr>
+    <a:masterClrMapping/>
+  </p:clrMapOvr>
 </p:sld>
 </file>
 
@@ -3233,11 +3235,10 @@
           <a:bodyPr/>
           <a:lstStyle/>
           <a:p>
-            <a:pPr lvl="0" indent="0" marL="0">
+            <a:pPr marL="0" lvl="0" indent="0">
               <a:buNone/>
             </a:pPr>
             <a:r>
-              <a:rPr/>
               <a:t>Software considerations</a:t>
             </a:r>
           </a:p>
@@ -3245,7 +3246,7 @@
       </p:sp>
       <p:pic>
         <p:nvPicPr>
-          <p:cNvPr descr="arcgis.jpeg" id="0" name="Picture 1"/>
+          <p:cNvPr id="3" name="Picture 1" descr="arcgis.jpeg"/>
           <p:cNvPicPr>
             <a:picLocks noGrp="1" noChangeAspect="1"/>
           </p:cNvPicPr>
@@ -3275,6 +3276,9 @@
       </p:pic>
     </p:spTree>
   </p:cSld>
+  <p:clrMapOvr>
+    <a:masterClrMapping/>
+  </p:clrMapOvr>
 </p:sld>
 </file>
 
@@ -3310,11 +3314,10 @@
           <a:bodyPr/>
           <a:lstStyle/>
           <a:p>
-            <a:pPr lvl="0" indent="0" marL="0">
+            <a:pPr marL="0" lvl="0" indent="0">
               <a:buNone/>
             </a:pPr>
             <a:r>
-              <a:rPr/>
               <a:t>How to succeed in this course</a:t>
             </a:r>
           </a:p>
@@ -3335,7 +3338,7 @@
           <a:bodyPr/>
           <a:lstStyle/>
           <a:p>
-            <a:pPr lvl="0" indent="0" marL="0">
+            <a:pPr marL="0" lvl="0" indent="0">
               <a:spcBef>
                 <a:spcPts val="3000"/>
               </a:spcBef>
@@ -3347,7 +3350,7 @@
             </a:r>
           </a:p>
           <a:p>
-            <a:pPr lvl="0" indent="0" marL="0">
+            <a:pPr marL="0" lvl="0" indent="0">
               <a:spcBef>
                 <a:spcPts val="3000"/>
               </a:spcBef>
@@ -3359,7 +3362,7 @@
             </a:r>
           </a:p>
           <a:p>
-            <a:pPr lvl="0" indent="0" marL="0">
+            <a:pPr marL="0" lvl="0" indent="0">
               <a:spcBef>
                 <a:spcPts val="3000"/>
               </a:spcBef>
@@ -3374,6 +3377,9 @@
       </p:sp>
     </p:spTree>
   </p:cSld>
+  <p:clrMapOvr>
+    <a:masterClrMapping/>
+  </p:clrMapOvr>
 </p:sld>
 </file>
 
@@ -3409,11 +3415,10 @@
           <a:bodyPr/>
           <a:lstStyle/>
           <a:p>
-            <a:pPr lvl="0" indent="0" marL="0">
+            <a:pPr marL="0" lvl="0" indent="0">
               <a:buNone/>
             </a:pPr>
             <a:r>
-              <a:rPr/>
               <a:t>Why R for Geospatial Computing?</a:t>
             </a:r>
           </a:p>
@@ -3434,38 +3439,34 @@
           <a:bodyPr/>
           <a:lstStyle/>
           <a:p>
-            <a:pPr lvl="0" indent="0" marL="0">
+            <a:pPr marL="0" lvl="0" indent="0">
               <a:buNone/>
             </a:pPr>
             <a:r>
-              <a:rPr/>
               <a:t>-Comprehensive Statistical and Analytical Tools</a:t>
             </a:r>
           </a:p>
           <a:p>
-            <a:pPr lvl="0" indent="0" marL="0">
+            <a:pPr marL="0" lvl="0" indent="0">
               <a:buNone/>
             </a:pPr>
             <a:r>
-              <a:rPr/>
               <a:t>-Extensive Package Ecosystem: R has a wide range of packages tailored for spatial data analysis, such as sf, terra, and raster.</a:t>
             </a:r>
           </a:p>
           <a:p>
-            <a:pPr lvl="0" indent="0" marL="0">
+            <a:pPr marL="0" lvl="0" indent="0">
               <a:buNone/>
             </a:pPr>
             <a:r>
-              <a:rPr/>
               <a:t>-Statistical Analysis: R is renowned for its statistical capabilities, making it ideal for geospatial analysis where statistical methods are often applied.</a:t>
             </a:r>
           </a:p>
           <a:p>
-            <a:pPr lvl="0" indent="0" marL="0">
+            <a:pPr marL="0" lvl="0" indent="0">
               <a:buNone/>
             </a:pPr>
             <a:r>
-              <a:rPr/>
               <a:t>-Reproducibility: R scripts and R Markdown documents promote reproducible research, ensuring that analyses can be reproduced and verified by others.</a:t>
             </a:r>
           </a:p>
@@ -3473,6 +3474,9 @@
       </p:sp>
     </p:spTree>
   </p:cSld>
+  <p:clrMapOvr>
+    <a:masterClrMapping/>
+  </p:clrMapOvr>
 </p:sld>
 </file>
 
@@ -3508,11 +3512,10 @@
           <a:bodyPr/>
           <a:lstStyle/>
           <a:p>
-            <a:pPr lvl="0" indent="0" marL="0">
+            <a:pPr marL="0" lvl="0" indent="0">
               <a:buNone/>
             </a:pPr>
             <a:r>
-              <a:rPr/>
               <a:t>Spatial analysis, workflow, and Reproducibility</a:t>
             </a:r>
           </a:p>
@@ -3520,7 +3523,7 @@
       </p:sp>
       <p:pic>
         <p:nvPicPr>
-          <p:cNvPr descr="flowchart.png" id="0" name="Picture 1"/>
+          <p:cNvPr id="3" name="Picture 1" descr="flowchart.png"/>
           <p:cNvPicPr>
             <a:picLocks noGrp="1" noChangeAspect="1"/>
           </p:cNvPicPr>
@@ -3550,6 +3553,9 @@
       </p:pic>
     </p:spTree>
   </p:cSld>
+  <p:clrMapOvr>
+    <a:masterClrMapping/>
+  </p:clrMapOvr>
 </p:sld>
 </file>
 
@@ -3585,11 +3591,10 @@
           <a:bodyPr/>
           <a:lstStyle/>
           <a:p>
-            <a:pPr lvl="0" indent="0" marL="0">
+            <a:pPr marL="0" lvl="0" indent="0">
               <a:buNone/>
             </a:pPr>
             <a:r>
-              <a:rPr/>
               <a:t>Why R for Geospatial Computing?</a:t>
             </a:r>
           </a:p>
@@ -3605,90 +3610,97 @@
             <p:ph idx="1"/>
           </p:nvPr>
         </p:nvSpPr>
-        <p:spPr/>
-        <p:txBody>
-          <a:bodyPr/>
-          <a:lstStyle/>
-          <a:p>
-            <a:pPr lvl="0" indent="0" marL="0">
+        <p:spPr>
+          <a:xfrm>
+            <a:off x="457200" y="1063229"/>
+            <a:ext cx="8229600" cy="3394472"/>
+          </a:xfrm>
+        </p:spPr>
+        <p:txBody>
+          <a:bodyPr>
+            <a:normAutofit fontScale="85000" lnSpcReduction="10000"/>
+          </a:bodyPr>
+          <a:lstStyle/>
+          <a:p>
+            <a:pPr marL="0" lvl="0" indent="0">
               <a:spcBef>
                 <a:spcPts val="3000"/>
               </a:spcBef>
               <a:buNone/>
             </a:pPr>
             <a:r>
-              <a:rPr b="1"/>
+              <a:rPr b="1" dirty="0"/>
               <a:t>Handling Large Datasets</a:t>
             </a:r>
           </a:p>
           <a:p>
-            <a:pPr lvl="0" indent="0" marL="0">
+            <a:pPr marL="0" lvl="0" indent="0">
               <a:buNone/>
             </a:pPr>
             <a:r>
-              <a:rPr/>
+              <a:rPr dirty="0"/>
               <a:t>R is equipped with powerful tools and packages like </a:t>
             </a:r>
             <a:r>
-              <a:rPr>
+              <a:rPr dirty="0" err="1">
                 <a:latin typeface="Courier"/>
               </a:rPr>
               <a:t>data.table</a:t>
             </a:r>
             <a:r>
-              <a:rPr/>
+              <a:rPr dirty="0"/>
               <a:t> and </a:t>
             </a:r>
             <a:r>
-              <a:rPr>
+              <a:rPr dirty="0" err="1">
                 <a:latin typeface="Courier"/>
               </a:rPr>
               <a:t>dplyr</a:t>
             </a:r>
             <a:r>
-              <a:rPr/>
+              <a:rPr dirty="0"/>
               <a:t> that allow for efficient manipulation and analysis of large datasets.</a:t>
             </a:r>
           </a:p>
           <a:p>
-            <a:pPr lvl="0" indent="0" marL="0">
+            <a:pPr marL="0" lvl="0" indent="0">
               <a:spcBef>
                 <a:spcPts val="3000"/>
               </a:spcBef>
               <a:buNone/>
             </a:pPr>
             <a:r>
-              <a:rPr b="1"/>
+              <a:rPr b="1" dirty="0"/>
               <a:t>R provides robust looping and iteration constructs</a:t>
             </a:r>
           </a:p>
           <a:p>
-            <a:pPr lvl="0" indent="0" marL="0">
+            <a:pPr marL="0" lvl="0" indent="0">
               <a:buNone/>
             </a:pPr>
             <a:r>
-              <a:rPr/>
+              <a:rPr dirty="0"/>
               <a:t>for loops, while loops, and the apply family of functions for efficient data processing.</a:t>
             </a:r>
           </a:p>
           <a:p>
-            <a:pPr lvl="0" indent="0" marL="0">
+            <a:pPr marL="0" lvl="0" indent="0">
               <a:spcBef>
                 <a:spcPts val="3000"/>
               </a:spcBef>
               <a:buNone/>
             </a:pPr>
             <a:r>
-              <a:rPr b="1"/>
+              <a:rPr b="1" dirty="0"/>
               <a:t>R supports functional programming paradigms</a:t>
             </a:r>
           </a:p>
           <a:p>
-            <a:pPr lvl="0" indent="0" marL="0">
+            <a:pPr marL="0" lvl="0" indent="0">
               <a:buNone/>
             </a:pPr>
             <a:r>
-              <a:rPr/>
+              <a:rPr dirty="0"/>
               <a:t>create and apply functions over data structures efficiently.</a:t>
             </a:r>
           </a:p>
@@ -3696,6 +3708,9 @@
       </p:sp>
     </p:spTree>
   </p:cSld>
+  <p:clrMapOvr>
+    <a:masterClrMapping/>
+  </p:clrMapOvr>
 </p:sld>
 </file>
 
@@ -3736,11 +3751,10 @@
           <a:bodyPr/>
           <a:lstStyle/>
           <a:p>
-            <a:pPr lvl="0" indent="0" marL="0">
+            <a:pPr marL="0" lvl="0" indent="0">
               <a:buNone/>
             </a:pPr>
             <a:r>
-              <a:rPr/>
               <a:t>R/Python/Matlab</a:t>
             </a:r>
           </a:p>
@@ -3753,7 +3767,7 @@
             <a:spLocks noGrp="1"/>
           </p:cNvSpPr>
           <p:nvPr>
-            <p:ph idx="2" sz="half" type="body"/>
+            <p:ph type="body" sz="half" idx="2"/>
           </p:nvPr>
         </p:nvSpPr>
         <p:spPr/>
@@ -3761,7 +3775,7 @@
           <a:bodyPr/>
           <a:lstStyle/>
           <a:p>
-            <a:pPr lvl="0" indent="0" marL="0">
+            <a:pPr marL="0" lvl="0" indent="0">
               <a:spcBef>
                 <a:spcPts val="3000"/>
               </a:spcBef>
@@ -3773,7 +3787,7 @@
             </a:r>
           </a:p>
           <a:p>
-            <a:pPr lvl="0" indent="0" marL="0">
+            <a:pPr marL="0" lvl="0" indent="0">
               <a:spcBef>
                 <a:spcPts val="3000"/>
               </a:spcBef>
@@ -3785,7 +3799,7 @@
             </a:r>
           </a:p>
           <a:p>
-            <a:pPr lvl="0" indent="0" marL="0">
+            <a:pPr marL="0" lvl="0" indent="0">
               <a:spcBef>
                 <a:spcPts val="3000"/>
               </a:spcBef>
@@ -3797,7 +3811,7 @@
             </a:r>
           </a:p>
           <a:p>
-            <a:pPr lvl="0" indent="0" marL="0">
+            <a:pPr marL="0" lvl="0" indent="0">
               <a:spcBef>
                 <a:spcPts val="3000"/>
               </a:spcBef>
@@ -3812,7 +3826,7 @@
       </p:sp>
       <p:pic>
         <p:nvPicPr>
-          <p:cNvPr descr="rstudiologo.png" id="0" name="Picture 1"/>
+          <p:cNvPr id="3" name="Picture 1" descr="rstudiologo.png"/>
           <p:cNvPicPr>
             <a:picLocks noGrp="1" noChangeAspect="1"/>
           </p:cNvPicPr>
@@ -3842,6 +3856,9 @@
       </p:pic>
     </p:spTree>
   </p:cSld>
+  <p:clrMapOvr>
+    <a:masterClrMapping/>
+  </p:clrMapOvr>
 </p:sld>
 </file>
 
@@ -3882,11 +3899,10 @@
           <a:bodyPr/>
           <a:lstStyle/>
           <a:p>
-            <a:pPr lvl="0" indent="0" marL="0">
+            <a:pPr marL="0" lvl="0" indent="0">
               <a:buNone/>
             </a:pPr>
             <a:r>
-              <a:rPr/>
               <a:t>R/Python/Matlab</a:t>
             </a:r>
           </a:p>
@@ -3899,7 +3915,7 @@
             <a:spLocks noGrp="1"/>
           </p:cNvSpPr>
           <p:nvPr>
-            <p:ph idx="2" sz="half" type="body"/>
+            <p:ph type="body" sz="half" idx="2"/>
           </p:nvPr>
         </p:nvSpPr>
         <p:spPr/>
@@ -3907,7 +3923,7 @@
           <a:bodyPr/>
           <a:lstStyle/>
           <a:p>
-            <a:pPr lvl="0" indent="0" marL="0">
+            <a:pPr marL="0" lvl="0" indent="0">
               <a:spcBef>
                 <a:spcPts val="3000"/>
               </a:spcBef>
@@ -3919,7 +3935,7 @@
             </a:r>
           </a:p>
           <a:p>
-            <a:pPr lvl="0" indent="0" marL="0">
+            <a:pPr marL="0" lvl="0" indent="0">
               <a:spcBef>
                 <a:spcPts val="3000"/>
               </a:spcBef>
@@ -3931,7 +3947,7 @@
             </a:r>
           </a:p>
           <a:p>
-            <a:pPr lvl="0" indent="0" marL="0">
+            <a:pPr marL="0" lvl="0" indent="0">
               <a:spcBef>
                 <a:spcPts val="3000"/>
               </a:spcBef>
@@ -3943,7 +3959,7 @@
             </a:r>
           </a:p>
           <a:p>
-            <a:pPr lvl="0" indent="0" marL="0">
+            <a:pPr marL="0" lvl="0" indent="0">
               <a:spcBef>
                 <a:spcPts val="3000"/>
               </a:spcBef>
@@ -3958,7 +3974,7 @@
       </p:sp>
       <p:pic>
         <p:nvPicPr>
-          <p:cNvPr descr="pythonlogo.jpeg" id="0" name="Picture 1"/>
+          <p:cNvPr id="3" name="Picture 1" descr="pythonlogo.jpeg"/>
           <p:cNvPicPr>
             <a:picLocks noGrp="1" noChangeAspect="1"/>
           </p:cNvPicPr>
@@ -3988,6 +4004,9 @@
       </p:pic>
     </p:spTree>
   </p:cSld>
+  <p:clrMapOvr>
+    <a:masterClrMapping/>
+  </p:clrMapOvr>
 </p:sld>
 </file>
 
@@ -4028,11 +4047,10 @@
           <a:bodyPr/>
           <a:lstStyle/>
           <a:p>
-            <a:pPr lvl="0" indent="0" marL="0">
+            <a:pPr marL="0" lvl="0" indent="0">
               <a:buNone/>
             </a:pPr>
             <a:r>
-              <a:rPr/>
               <a:t>R/Python/Matlab</a:t>
             </a:r>
           </a:p>
@@ -4045,7 +4063,7 @@
             <a:spLocks noGrp="1"/>
           </p:cNvSpPr>
           <p:nvPr>
-            <p:ph idx="2" sz="half" type="body"/>
+            <p:ph type="body" sz="half" idx="2"/>
           </p:nvPr>
         </p:nvSpPr>
         <p:spPr/>
@@ -4053,7 +4071,7 @@
           <a:bodyPr/>
           <a:lstStyle/>
           <a:p>
-            <a:pPr lvl="0" indent="0" marL="0">
+            <a:pPr marL="0" lvl="0" indent="0">
               <a:spcBef>
                 <a:spcPts val="3000"/>
               </a:spcBef>
@@ -4065,7 +4083,7 @@
             </a:r>
           </a:p>
           <a:p>
-            <a:pPr lvl="0" indent="0" marL="0">
+            <a:pPr marL="0" lvl="0" indent="0">
               <a:spcBef>
                 <a:spcPts val="3000"/>
               </a:spcBef>
@@ -4077,7 +4095,7 @@
             </a:r>
           </a:p>
           <a:p>
-            <a:pPr lvl="0" indent="0" marL="0">
+            <a:pPr marL="0" lvl="0" indent="0">
               <a:spcBef>
                 <a:spcPts val="3000"/>
               </a:spcBef>
@@ -4089,7 +4107,7 @@
             </a:r>
           </a:p>
           <a:p>
-            <a:pPr lvl="0" indent="0" marL="0">
+            <a:pPr marL="0" lvl="0" indent="0">
               <a:spcBef>
                 <a:spcPts val="3000"/>
               </a:spcBef>
@@ -4104,7 +4122,7 @@
       </p:sp>
       <p:pic>
         <p:nvPicPr>
-          <p:cNvPr descr="matlablogo.jpeg" id="0" name="Picture 1"/>
+          <p:cNvPr id="3" name="Picture 1" descr="matlablogo.jpeg"/>
           <p:cNvPicPr>
             <a:picLocks noGrp="1" noChangeAspect="1"/>
           </p:cNvPicPr>
@@ -4134,6 +4152,9 @@
       </p:pic>
     </p:spTree>
   </p:cSld>
+  <p:clrMapOvr>
+    <a:masterClrMapping/>
+  </p:clrMapOvr>
 </p:sld>
 </file>
 
@@ -4169,11 +4190,10 @@
           <a:bodyPr/>
           <a:lstStyle/>
           <a:p>
-            <a:pPr lvl="0" indent="0" marL="0">
+            <a:pPr marL="0" lvl="0" indent="0">
               <a:buNone/>
             </a:pPr>
             <a:r>
-              <a:rPr/>
               <a:t>Integrated development environment for R</a:t>
             </a:r>
           </a:p>
@@ -4181,7 +4201,7 @@
       </p:sp>
       <p:pic>
         <p:nvPicPr>
-          <p:cNvPr descr="IDE_R.png" id="0" name="Picture 1"/>
+          <p:cNvPr id="3" name="Picture 1" descr="IDE_R.png"/>
           <p:cNvPicPr>
             <a:picLocks noGrp="1" noChangeAspect="1"/>
           </p:cNvPicPr>
@@ -4211,6 +4231,9 @@
       </p:pic>
     </p:spTree>
   </p:cSld>
+  <p:clrMapOvr>
+    <a:masterClrMapping/>
+  </p:clrMapOvr>
 </p:sld>
 </file>
 
@@ -4246,11 +4269,10 @@
           <a:bodyPr/>
           <a:lstStyle/>
           <a:p>
-            <a:pPr lvl="0" indent="0" marL="0">
+            <a:pPr marL="0" lvl="0" indent="0">
               <a:buNone/>
             </a:pPr>
             <a:r>
-              <a:rPr/>
               <a:t>Integrated development environment for Python</a:t>
             </a:r>
           </a:p>
@@ -4258,7 +4280,7 @@
       </p:sp>
       <p:pic>
         <p:nvPicPr>
-          <p:cNvPr descr="IDE_p.png" id="0" name="Picture 1"/>
+          <p:cNvPr id="3" name="Picture 1" descr="IDE_p.png"/>
           <p:cNvPicPr>
             <a:picLocks noGrp="1" noChangeAspect="1"/>
           </p:cNvPicPr>
@@ -4288,6 +4310,9 @@
       </p:pic>
     </p:spTree>
   </p:cSld>
+  <p:clrMapOvr>
+    <a:masterClrMapping/>
+  </p:clrMapOvr>
 </p:sld>
 </file>
 
@@ -4323,11 +4348,10 @@
           <a:bodyPr/>
           <a:lstStyle/>
           <a:p>
-            <a:pPr lvl="0" indent="0" marL="0">
+            <a:pPr marL="0" lvl="0" indent="0">
               <a:buNone/>
             </a:pPr>
             <a:r>
-              <a:rPr/>
               <a:t>The format of this course</a:t>
             </a:r>
           </a:p>
@@ -4369,29 +4393,26 @@
             </a:r>
           </a:p>
           <a:p>
-            <a:pPr lvl="1" indent="0" marL="342900">
+            <a:pPr marL="342900" lvl="1" indent="0">
               <a:buNone/>
             </a:pPr>
             <a:r>
-              <a:rPr/>
               <a:t>-Labs and assignments - 75%</a:t>
             </a:r>
           </a:p>
           <a:p>
-            <a:pPr lvl="1" indent="0" marL="342900">
+            <a:pPr marL="342900" lvl="1" indent="0">
               <a:buNone/>
             </a:pPr>
             <a:r>
-              <a:rPr/>
               <a:t>-Midterm exam (or project) - 10%</a:t>
             </a:r>
           </a:p>
           <a:p>
-            <a:pPr lvl="1" indent="0" marL="342900">
+            <a:pPr marL="342900" lvl="1" indent="0">
               <a:buNone/>
             </a:pPr>
             <a:r>
-              <a:rPr/>
               <a:t>-Final project – 15%</a:t>
             </a:r>
           </a:p>
@@ -4399,6 +4420,9 @@
       </p:sp>
     </p:spTree>
   </p:cSld>
+  <p:clrMapOvr>
+    <a:masterClrMapping/>
+  </p:clrMapOvr>
 </p:sld>
 </file>
 
@@ -4434,11 +4458,10 @@
           <a:bodyPr/>
           <a:lstStyle/>
           <a:p>
-            <a:pPr lvl="0" indent="0" marL="0">
+            <a:pPr marL="0" lvl="0" indent="0">
               <a:buNone/>
             </a:pPr>
             <a:r>
-              <a:rPr/>
               <a:t>Integrated development environment for Matlab</a:t>
             </a:r>
           </a:p>
@@ -4446,7 +4469,7 @@
       </p:sp>
       <p:pic>
         <p:nvPicPr>
-          <p:cNvPr descr="IDE_M.png" id="0" name="Picture 1"/>
+          <p:cNvPr id="3" name="Picture 1" descr="IDE_M.png"/>
           <p:cNvPicPr>
             <a:picLocks noGrp="1" noChangeAspect="1"/>
           </p:cNvPicPr>
@@ -4476,6 +4499,9 @@
       </p:pic>
     </p:spTree>
   </p:cSld>
+  <p:clrMapOvr>
+    <a:masterClrMapping/>
+  </p:clrMapOvr>
 </p:sld>
 </file>
 
@@ -4516,11 +4542,10 @@
           <a:bodyPr/>
           <a:lstStyle/>
           <a:p>
-            <a:pPr lvl="0" indent="0" marL="0">
+            <a:pPr marL="0" lvl="0" indent="0">
               <a:buNone/>
             </a:pPr>
             <a:r>
-              <a:rPr/>
               <a:t>R vs. Python for data analysis</a:t>
             </a:r>
           </a:p>
@@ -4533,7 +4558,7 @@
             <a:spLocks noGrp="1"/>
           </p:cNvSpPr>
           <p:nvPr>
-            <p:ph idx="2" sz="half" type="body"/>
+            <p:ph type="body" sz="half" idx="2"/>
           </p:nvPr>
         </p:nvSpPr>
         <p:spPr/>
@@ -4541,11 +4566,10 @@
           <a:bodyPr/>
           <a:lstStyle/>
           <a:p>
-            <a:pPr lvl="0" indent="0" marL="0">
+            <a:pPr marL="0" lvl="0" indent="0">
               <a:buNone/>
             </a:pPr>
             <a:r>
-              <a:rPr/>
               <a:t>Origin of R - the S language for data analysis and statistics at Bell Laboratories in the 1980s</a:t>
             </a:r>
           </a:p>
@@ -4553,7 +4577,7 @@
       </p:sp>
       <p:pic>
         <p:nvPicPr>
-          <p:cNvPr descr="r_p.png" id="0" name="Picture 1"/>
+          <p:cNvPr id="3" name="Picture 1" descr="r_p.png"/>
           <p:cNvPicPr>
             <a:picLocks noGrp="1" noChangeAspect="1"/>
           </p:cNvPicPr>
@@ -4583,6 +4607,9 @@
       </p:pic>
     </p:spTree>
   </p:cSld>
+  <p:clrMapOvr>
+    <a:masterClrMapping/>
+  </p:clrMapOvr>
 </p:sld>
 </file>
 
@@ -4618,11 +4645,10 @@
           <a:bodyPr/>
           <a:lstStyle/>
           <a:p>
-            <a:pPr lvl="0" indent="0" marL="0">
+            <a:pPr marL="0" lvl="0" indent="0">
               <a:buNone/>
             </a:pPr>
             <a:r>
-              <a:rPr/>
               <a:t>R vs. Python for data analysis</a:t>
             </a:r>
           </a:p>
@@ -4630,7 +4656,7 @@
       </p:sp>
       <p:pic>
         <p:nvPicPr>
-          <p:cNvPr descr="r_p1.png" id="0" name="Picture 1"/>
+          <p:cNvPr id="3" name="Picture 1" descr="r_p1.png"/>
           <p:cNvPicPr>
             <a:picLocks noGrp="1" noChangeAspect="1"/>
           </p:cNvPicPr>
@@ -4644,8 +4670,8 @@
         </p:blipFill>
         <p:spPr bwMode="auto">
           <a:xfrm>
-            <a:off x="2819400" y="1193800"/>
-            <a:ext cx="3492500" cy="3390900"/>
+            <a:off x="2621706" y="981743"/>
+            <a:ext cx="4124392" cy="4004410"/>
           </a:xfrm>
           <a:prstGeom prst="rect">
             <a:avLst/>
@@ -4660,6 +4686,9 @@
       </p:pic>
     </p:spTree>
   </p:cSld>
+  <p:clrMapOvr>
+    <a:masterClrMapping/>
+  </p:clrMapOvr>
 </p:sld>
 </file>
 
@@ -4695,11 +4724,10 @@
           <a:bodyPr/>
           <a:lstStyle/>
           <a:p>
-            <a:pPr lvl="0" indent="0" marL="0">
+            <a:pPr marL="0" lvl="0" indent="0">
               <a:buNone/>
             </a:pPr>
             <a:r>
-              <a:rPr/>
               <a:t>Salary Trends</a:t>
             </a:r>
           </a:p>
@@ -4707,7 +4735,7 @@
       </p:sp>
       <p:pic>
         <p:nvPicPr>
-          <p:cNvPr descr="r_p2.png" id="0" name="Picture 1"/>
+          <p:cNvPr id="3" name="Picture 1" descr="r_p2.png"/>
           <p:cNvPicPr>
             <a:picLocks noGrp="1" noChangeAspect="1"/>
           </p:cNvPicPr>
@@ -4737,6 +4765,9 @@
       </p:pic>
     </p:spTree>
   </p:cSld>
+  <p:clrMapOvr>
+    <a:masterClrMapping/>
+  </p:clrMapOvr>
 </p:sld>
 </file>
 
@@ -4772,11 +4803,11 @@
           <a:bodyPr/>
           <a:lstStyle/>
           <a:p>
-            <a:pPr lvl="0" indent="0" marL="0">
+            <a:pPr marL="0" lvl="0" indent="0">
               <a:buNone/>
             </a:pPr>
             <a:r>
-              <a:rPr/>
+              <a:rPr dirty="0"/>
               <a:t>R for geospatial data analysis</a:t>
             </a:r>
           </a:p>
@@ -4792,60 +4823,90 @@
             <p:ph idx="1"/>
           </p:nvPr>
         </p:nvSpPr>
-        <p:spPr/>
-        <p:txBody>
-          <a:bodyPr/>
-          <a:lstStyle/>
-          <a:p>
-            <a:pPr lvl="0" indent="0" marL="0">
+        <p:spPr>
+          <a:xfrm>
+            <a:off x="576470" y="1063229"/>
+            <a:ext cx="8229600" cy="3394472"/>
+          </a:xfrm>
+        </p:spPr>
+        <p:txBody>
+          <a:bodyPr>
+            <a:normAutofit fontScale="70000" lnSpcReduction="20000"/>
+          </a:bodyPr>
+          <a:lstStyle/>
+          <a:p>
+            <a:pPr marL="0" lvl="0" indent="0">
               <a:spcBef>
                 <a:spcPts val="3000"/>
               </a:spcBef>
               <a:buNone/>
             </a:pPr>
             <a:r>
-              <a:rPr b="1"/>
-              <a:t>With sf, terra, tidyverse, mapview, and many other functions and libraries, R can be considered as Integrated GIS/RS development environment</a:t>
-            </a:r>
-          </a:p>
-          <a:p>
-            <a:pPr lvl="0" indent="0" marL="0">
+              <a:rPr b="1" dirty="0"/>
+              <a:t>With sf, terra, </a:t>
+            </a:r>
+            <a:r>
+              <a:rPr b="1" dirty="0" err="1"/>
+              <a:t>tidyverse</a:t>
+            </a:r>
+            <a:r>
+              <a:rPr b="1" dirty="0"/>
+              <a:t>, </a:t>
+            </a:r>
+            <a:r>
+              <a:rPr b="1" dirty="0" err="1"/>
+              <a:t>mapview</a:t>
+            </a:r>
+            <a:r>
+              <a:rPr b="1" dirty="0"/>
+              <a:t>, and many other functions and libraries, R can be considered as Integrated GIS/RS development environment</a:t>
+            </a:r>
+            <a:endParaRPr lang="en-US" b="1" dirty="0"/>
+          </a:p>
+          <a:p>
+            <a:pPr marL="0" lvl="0" indent="0">
+              <a:spcBef>
+                <a:spcPts val="3000"/>
+              </a:spcBef>
               <a:buNone/>
             </a:pPr>
-            <a:r>
-              <a:rPr/>
-              <a:t> - </a:t>
-            </a:r>
-            <a:r>
-              <a:rPr b="1"/>
+            <a:endParaRPr b="1" dirty="0"/>
+          </a:p>
+          <a:p>
+            <a:r>
+              <a:rPr dirty="0"/>
+              <a:t> </a:t>
+            </a:r>
+            <a:r>
+              <a:rPr b="1" dirty="0"/>
               <a:t>Download geospatial data (USGS gauges, climate data, land cover, dem ……)</a:t>
             </a:r>
           </a:p>
           <a:p>
             <a:pPr lvl="0"/>
             <a:r>
-              <a:rPr b="1"/>
+              <a:rPr b="1" dirty="0"/>
               <a:t>Import/export various GIS files</a:t>
             </a:r>
           </a:p>
           <a:p>
             <a:pPr lvl="0"/>
             <a:r>
-              <a:rPr b="1"/>
+              <a:rPr b="1" dirty="0"/>
               <a:t>Spatial analysis with GIS: buffer, select by attributes, select by location, overlay, clipping, zonal statistics, re-project, summary statistics, point-in-polygon analysis, kernel density, distance analysis, raster reclassification, vector to raster conversion, raster to vector conversion, terrain analysis, advanced spatial statistics, image classification, ….</a:t>
             </a:r>
           </a:p>
           <a:p>
             <a:pPr lvl="0"/>
             <a:r>
-              <a:rPr b="1"/>
+              <a:rPr b="1" dirty="0"/>
               <a:t>Statistical analysis and machine learning (numerous packages), simulation models</a:t>
             </a:r>
           </a:p>
           <a:p>
             <a:pPr lvl="0"/>
             <a:r>
-              <a:rPr b="1"/>
+              <a:rPr b="1" dirty="0"/>
               <a:t>R visualizations</a:t>
             </a:r>
           </a:p>
@@ -4853,6 +4914,9 @@
       </p:sp>
     </p:spTree>
   </p:cSld>
+  <p:clrMapOvr>
+    <a:masterClrMapping/>
+  </p:clrMapOvr>
 </p:sld>
 </file>
 
@@ -4888,11 +4952,10 @@
           <a:bodyPr/>
           <a:lstStyle/>
           <a:p>
-            <a:pPr lvl="0" indent="0" marL="0">
+            <a:pPr marL="0" lvl="0" indent="0">
               <a:buNone/>
             </a:pPr>
             <a:r>
-              <a:rPr/>
               <a:t>Recommended Materials:</a:t>
             </a:r>
           </a:p>
@@ -4913,7 +4976,7 @@
           <a:bodyPr/>
           <a:lstStyle/>
           <a:p>
-            <a:pPr lvl="0" indent="0" marL="0">
+            <a:pPr marL="0" lvl="0" indent="0">
               <a:buNone/>
             </a:pPr>
             <a:r>
@@ -4922,7 +4985,7 @@
             </a:r>
           </a:p>
           <a:p>
-            <a:pPr lvl="0" indent="0" marL="0">
+            <a:pPr marL="0" lvl="0" indent="0">
               <a:buNone/>
             </a:pPr>
             <a:r>
@@ -4931,7 +4994,7 @@
             </a:r>
           </a:p>
           <a:p>
-            <a:pPr lvl="0" indent="0" marL="0">
+            <a:pPr marL="0" lvl="0" indent="0">
               <a:buNone/>
             </a:pPr>
             <a:r>
@@ -4945,6 +5008,9 @@
       </p:sp>
     </p:spTree>
   </p:cSld>
+  <p:clrMapOvr>
+    <a:masterClrMapping/>
+  </p:clrMapOvr>
 </p:sld>
 </file>
 
@@ -4980,11 +5046,10 @@
           <a:bodyPr/>
           <a:lstStyle/>
           <a:p>
-            <a:pPr lvl="0" indent="0" marL="0">
+            <a:pPr marL="0" lvl="0" indent="0">
               <a:buNone/>
             </a:pPr>
             <a:r>
-              <a:rPr/>
               <a:t>R for Geospatial Computing (</a:t>
             </a:r>
             <a:r>
@@ -4994,7 +5059,6 @@
               <a:t>https://r.geocompx.org</a:t>
             </a:r>
             <a:r>
-              <a:rPr/>
               <a:t>)</a:t>
             </a:r>
           </a:p>
@@ -5002,7 +5066,7 @@
       </p:sp>
       <p:pic>
         <p:nvPicPr>
-          <p:cNvPr descr="fig:  Rbook.png" id="0" name="Picture 1"/>
+          <p:cNvPr id="3" name="Picture 1" descr="fig:  Rbook.png"/>
           <p:cNvPicPr>
             <a:picLocks noGrp="1" noChangeAspect="1"/>
           </p:cNvPicPr>
@@ -5032,7 +5096,7 @@
       </p:pic>
       <p:sp>
         <p:nvSpPr>
-          <p:cNvPr id="1" name="TextBox 3"/>
+          <p:cNvPr id="4" name="TextBox 3"/>
           <p:cNvSpPr txBox="1"/>
           <p:nvPr/>
         </p:nvSpPr>
@@ -5050,11 +5114,10 @@
           <a:bodyPr/>
           <a:lstStyle/>
           <a:p>
-            <a:pPr lvl="0" indent="0" marL="0" algn="ctr">
+            <a:pPr marL="0" lvl="0" indent="0" algn="ctr">
               <a:buNone/>
             </a:pPr>
             <a:r>
-              <a:rPr/>
               <a:t>R for Geospatial Computing</a:t>
             </a:r>
           </a:p>
@@ -5062,6 +5125,9 @@
       </p:sp>
     </p:spTree>
   </p:cSld>
+  <p:clrMapOvr>
+    <a:masterClrMapping/>
+  </p:clrMapOvr>
 </p:sld>
 </file>
 
@@ -5097,11 +5163,10 @@
           <a:bodyPr/>
           <a:lstStyle/>
           <a:p>
-            <a:pPr lvl="0" indent="0" marL="0">
+            <a:pPr marL="0" lvl="0" indent="0">
               <a:buNone/>
             </a:pPr>
             <a:r>
-              <a:rPr/>
               <a:t>The format of this course</a:t>
             </a:r>
           </a:p>
@@ -5122,7 +5187,7 @@
           <a:bodyPr/>
           <a:lstStyle/>
           <a:p>
-            <a:pPr lvl="0" indent="0" marL="0">
+            <a:pPr marL="0" lvl="0" indent="0">
               <a:spcBef>
                 <a:spcPts val="3000"/>
               </a:spcBef>
@@ -5134,16 +5199,15 @@
             </a:r>
           </a:p>
           <a:p>
-            <a:pPr lvl="0" indent="0" marL="0">
+            <a:pPr marL="0" lvl="0" indent="0">
               <a:buNone/>
             </a:pPr>
             <a:r>
-              <a:rPr/>
               <a:t> </a:t>
             </a:r>
           </a:p>
           <a:p>
-            <a:pPr lvl="0" indent="0" marL="0">
+            <a:pPr marL="0" lvl="0" indent="0">
               <a:spcBef>
                 <a:spcPts val="3000"/>
               </a:spcBef>
@@ -5155,11 +5219,10 @@
             </a:r>
           </a:p>
           <a:p>
-            <a:pPr lvl="0" indent="0" marL="0">
+            <a:pPr marL="0" lvl="0" indent="0">
               <a:buNone/>
             </a:pPr>
             <a:r>
-              <a:rPr/>
               <a:t>I’ll highlight key components of each lab and provide some demos on R programming; Each week I’ll have office hours for additional support (zoom?)</a:t>
             </a:r>
           </a:p>
@@ -5167,6 +5230,9 @@
       </p:sp>
     </p:spTree>
   </p:cSld>
+  <p:clrMapOvr>
+    <a:masterClrMapping/>
+  </p:clrMapOvr>
 </p:sld>
 </file>
 
@@ -5202,11 +5268,10 @@
           <a:bodyPr/>
           <a:lstStyle/>
           <a:p>
-            <a:pPr lvl="0" indent="0" marL="0">
+            <a:pPr marL="0" lvl="0" indent="0">
               <a:buNone/>
             </a:pPr>
             <a:r>
-              <a:rPr/>
               <a:t>Tentative topics and schedule</a:t>
             </a:r>
           </a:p>
@@ -5224,7 +5289,7 @@
         </p:nvGraphicFramePr>
         <p:xfrm>
           <a:off x="457200" y="1193800"/>
-          <a:ext cx="8229600" cy="3390900"/>
+          <a:ext cx="8229600" cy="13075920"/>
         </p:xfrm>
         <a:graphic>
           <a:graphicData uri="http://schemas.openxmlformats.org/drawingml/2006/table">
@@ -5233,10 +5298,34 @@
                 <a:tableStyleId>{5C22544A-7EE6-4342-B048-85BDC9FD1C3A}</a:tableStyleId>
               </a:tblPr>
               <a:tblGrid>
-                <a:gridCol w="2057400"/>
-                <a:gridCol w="2057400"/>
-                <a:gridCol w="2057400"/>
-                <a:gridCol w="2057400"/>
+                <a:gridCol w="2057400">
+                  <a:extLst>
+                    <a:ext uri="{9D8B030D-6E8A-4147-A177-3AD203B41FA5}">
+                      <a16:colId xmlns:a16="http://schemas.microsoft.com/office/drawing/2014/main" val="20000"/>
+                    </a:ext>
+                  </a:extLst>
+                </a:gridCol>
+                <a:gridCol w="2057400">
+                  <a:extLst>
+                    <a:ext uri="{9D8B030D-6E8A-4147-A177-3AD203B41FA5}">
+                      <a16:colId xmlns:a16="http://schemas.microsoft.com/office/drawing/2014/main" val="20001"/>
+                    </a:ext>
+                  </a:extLst>
+                </a:gridCol>
+                <a:gridCol w="2057400">
+                  <a:extLst>
+                    <a:ext uri="{9D8B030D-6E8A-4147-A177-3AD203B41FA5}">
+                      <a16:colId xmlns:a16="http://schemas.microsoft.com/office/drawing/2014/main" val="20002"/>
+                    </a:ext>
+                  </a:extLst>
+                </a:gridCol>
+                <a:gridCol w="2057400">
+                  <a:extLst>
+                    <a:ext uri="{9D8B030D-6E8A-4147-A177-3AD203B41FA5}">
+                      <a16:colId xmlns:a16="http://schemas.microsoft.com/office/drawing/2014/main" val="20003"/>
+                    </a:ext>
+                  </a:extLst>
+                </a:gridCol>
               </a:tblGrid>
               <a:tr h="0">
                 <a:tc>
@@ -5244,11 +5333,10 @@
                     <a:bodyPr/>
                     <a:lstStyle/>
                     <a:p>
-                      <a:pPr lvl="0" indent="0" marL="0" algn="l">
-                        <a:buNone/>
-                      </a:pPr>
-                      <a:r>
-                        <a:rPr/>
+                      <a:pPr marL="0" lvl="0" indent="0" algn="l">
+                        <a:buNone/>
+                      </a:pPr>
+                      <a:r>
                         <a:t>Week</a:t>
                       </a:r>
                     </a:p>
@@ -5260,11 +5348,10 @@
                     <a:bodyPr/>
                     <a:lstStyle/>
                     <a:p>
-                      <a:pPr lvl="0" indent="0" marL="0" algn="l">
-                        <a:buNone/>
-                      </a:pPr>
-                      <a:r>
-                        <a:rPr/>
+                      <a:pPr marL="0" lvl="0" indent="0" algn="l">
+                        <a:buNone/>
+                      </a:pPr>
+                      <a:r>
                         <a:t>Dates</a:t>
                       </a:r>
                     </a:p>
@@ -5276,11 +5363,10 @@
                     <a:bodyPr/>
                     <a:lstStyle/>
                     <a:p>
-                      <a:pPr lvl="0" indent="0" marL="0" algn="l">
-                        <a:buNone/>
-                      </a:pPr>
-                      <a:r>
-                        <a:rPr/>
+                      <a:pPr marL="0" lvl="0" indent="0" algn="l">
+                        <a:buNone/>
+                      </a:pPr>
+                      <a:r>
                         <a:t>Topics</a:t>
                       </a:r>
                     </a:p>
@@ -5292,17 +5378,21 @@
                     <a:bodyPr/>
                     <a:lstStyle/>
                     <a:p>
-                      <a:pPr lvl="0" indent="0" marL="0" algn="l">
-                        <a:buNone/>
-                      </a:pPr>
-                      <a:r>
-                        <a:rPr/>
+                      <a:pPr marL="0" lvl="0" indent="0" algn="l">
+                        <a:buNone/>
+                      </a:pPr>
+                      <a:r>
                         <a:t>Labs</a:t>
                       </a:r>
                     </a:p>
                   </a:txBody>
                   <a:tcPr/>
                 </a:tc>
+                <a:extLst>
+                  <a:ext uri="{0D108BD9-81ED-4DB2-BD59-A6C34878D82A}">
+                    <a16:rowId xmlns:a16="http://schemas.microsoft.com/office/drawing/2014/main" val="10000"/>
+                  </a:ext>
+                </a:extLst>
               </a:tr>
               <a:tr h="0">
                 <a:tc>
@@ -5310,61 +5400,66 @@
                     <a:bodyPr/>
                     <a:lstStyle/>
                     <a:p>
-                      <a:pPr lvl="0" indent="0" marL="0" algn="l">
-                        <a:buNone/>
-                      </a:pPr>
-                      <a:r>
-                        <a:rPr/>
+                      <a:pPr marL="0" lvl="0" indent="0" algn="l">
+                        <a:buNone/>
+                      </a:pPr>
+                      <a:r>
                         <a:t>Week 1</a:t>
                       </a:r>
                     </a:p>
                   </a:txBody>
-                </a:tc>
-                <a:tc>
-                  <a:txBody>
-                    <a:bodyPr/>
-                    <a:lstStyle/>
-                    <a:p>
-                      <a:pPr lvl="0" indent="0" marL="0" algn="l">
-                        <a:buNone/>
-                      </a:pPr>
-                      <a:r>
-                        <a:rPr/>
+                  <a:tcPr/>
+                </a:tc>
+                <a:tc>
+                  <a:txBody>
+                    <a:bodyPr/>
+                    <a:lstStyle/>
+                    <a:p>
+                      <a:pPr marL="0" lvl="0" indent="0" algn="l">
+                        <a:buNone/>
+                      </a:pPr>
+                      <a:r>
                         <a:t>Aug 25 - Aug 31</a:t>
                       </a:r>
                     </a:p>
                   </a:txBody>
-                </a:tc>
-                <a:tc>
-                  <a:txBody>
-                    <a:bodyPr/>
-                    <a:lstStyle/>
-                    <a:p>
-                      <a:pPr lvl="0" indent="0" marL="0" algn="l">
-                        <a:buNone/>
-                      </a:pPr>
-                      <a:r>
-                        <a:rPr/>
+                  <a:tcPr/>
+                </a:tc>
+                <a:tc>
+                  <a:txBody>
+                    <a:bodyPr/>
+                    <a:lstStyle/>
+                    <a:p>
+                      <a:pPr marL="0" lvl="0" indent="0" algn="l">
+                        <a:buNone/>
+                      </a:pPr>
+                      <a:r>
                         <a:t>Course introduction; R vs. Python vs. Matlab; R Data types; Data frame; Simple plots in R</a:t>
                       </a:r>
                     </a:p>
                   </a:txBody>
-                </a:tc>
-                <a:tc>
-                  <a:txBody>
-                    <a:bodyPr/>
-                    <a:lstStyle/>
-                    <a:p>
-                      <a:pPr lvl="0" indent="0" marL="0" algn="l">
-                        <a:buNone/>
-                      </a:pPr>
-                      <a:r>
-                        <a:rPr/>
+                  <a:tcPr/>
+                </a:tc>
+                <a:tc>
+                  <a:txBody>
+                    <a:bodyPr/>
+                    <a:lstStyle/>
+                    <a:p>
+                      <a:pPr marL="0" lvl="0" indent="0" algn="l">
+                        <a:buNone/>
+                      </a:pPr>
+                      <a:r>
                         <a:t>Install R and RStudio</a:t>
                       </a:r>
                     </a:p>
                   </a:txBody>
-                </a:tc>
+                  <a:tcPr/>
+                </a:tc>
+                <a:extLst>
+                  <a:ext uri="{0D108BD9-81ED-4DB2-BD59-A6C34878D82A}">
+                    <a16:rowId xmlns:a16="http://schemas.microsoft.com/office/drawing/2014/main" val="10001"/>
+                  </a:ext>
+                </a:extLst>
               </a:tr>
               <a:tr h="0">
                 <a:tc>
@@ -5372,61 +5467,66 @@
                     <a:bodyPr/>
                     <a:lstStyle/>
                     <a:p>
-                      <a:pPr lvl="0" indent="0" marL="0" algn="l">
-                        <a:buNone/>
-                      </a:pPr>
-                      <a:r>
-                        <a:rPr/>
+                      <a:pPr marL="0" lvl="0" indent="0" algn="l">
+                        <a:buNone/>
+                      </a:pPr>
+                      <a:r>
                         <a:t>Week 2</a:t>
                       </a:r>
                     </a:p>
                   </a:txBody>
-                </a:tc>
-                <a:tc>
-                  <a:txBody>
-                    <a:bodyPr/>
-                    <a:lstStyle/>
-                    <a:p>
-                      <a:pPr lvl="0" indent="0" marL="0" algn="l">
-                        <a:buNone/>
-                      </a:pPr>
-                      <a:r>
-                        <a:rPr/>
+                  <a:tcPr/>
+                </a:tc>
+                <a:tc>
+                  <a:txBody>
+                    <a:bodyPr/>
+                    <a:lstStyle/>
+                    <a:p>
+                      <a:pPr marL="0" lvl="0" indent="0" algn="l">
+                        <a:buNone/>
+                      </a:pPr>
+                      <a:r>
                         <a:t>Sep 1 - Sep 7</a:t>
                       </a:r>
                     </a:p>
                   </a:txBody>
-                </a:tc>
-                <a:tc>
-                  <a:txBody>
-                    <a:bodyPr/>
-                    <a:lstStyle/>
-                    <a:p>
-                      <a:pPr lvl="0" indent="0" marL="0" algn="l">
-                        <a:buNone/>
-                      </a:pPr>
-                      <a:r>
-                        <a:rPr/>
+                  <a:tcPr/>
+                </a:tc>
+                <a:tc>
+                  <a:txBody>
+                    <a:bodyPr/>
+                    <a:lstStyle/>
+                    <a:p>
+                      <a:pPr marL="0" lvl="0" indent="0" algn="l">
+                        <a:buNone/>
+                      </a:pPr>
+                      <a:r>
                         <a:t>Read and write geospatial data using R libraries: sf and terra; Projections (Re-project shapefile, re-project raster); Handling spatial data in R (select by attributes, select by location, summary statistics)</a:t>
                       </a:r>
                     </a:p>
                   </a:txBody>
-                </a:tc>
-                <a:tc>
-                  <a:txBody>
-                    <a:bodyPr/>
-                    <a:lstStyle/>
-                    <a:p>
-                      <a:pPr lvl="0" indent="0" marL="0" algn="l">
-                        <a:buNone/>
-                      </a:pPr>
-                      <a:r>
-                        <a:rPr/>
+                  <a:tcPr/>
+                </a:tc>
+                <a:tc>
+                  <a:txBody>
+                    <a:bodyPr/>
+                    <a:lstStyle/>
+                    <a:p>
+                      <a:pPr marL="0" lvl="0" indent="0" algn="l">
+                        <a:buNone/>
+                      </a:pPr>
+                      <a:r>
                         <a:t>Lab 1: R fundamentals</a:t>
                       </a:r>
                     </a:p>
                   </a:txBody>
-                </a:tc>
+                  <a:tcPr/>
+                </a:tc>
+                <a:extLst>
+                  <a:ext uri="{0D108BD9-81ED-4DB2-BD59-A6C34878D82A}">
+                    <a16:rowId xmlns:a16="http://schemas.microsoft.com/office/drawing/2014/main" val="10002"/>
+                  </a:ext>
+                </a:extLst>
               </a:tr>
               <a:tr h="0">
                 <a:tc>
@@ -5434,61 +5534,66 @@
                     <a:bodyPr/>
                     <a:lstStyle/>
                     <a:p>
-                      <a:pPr lvl="0" indent="0" marL="0" algn="l">
-                        <a:buNone/>
-                      </a:pPr>
-                      <a:r>
-                        <a:rPr/>
+                      <a:pPr marL="0" lvl="0" indent="0" algn="l">
+                        <a:buNone/>
+                      </a:pPr>
+                      <a:r>
                         <a:t>Week 3</a:t>
                       </a:r>
                     </a:p>
                   </a:txBody>
-                </a:tc>
-                <a:tc>
-                  <a:txBody>
-                    <a:bodyPr/>
-                    <a:lstStyle/>
-                    <a:p>
-                      <a:pPr lvl="0" indent="0" marL="0" algn="l">
-                        <a:buNone/>
-                      </a:pPr>
-                      <a:r>
-                        <a:rPr/>
+                  <a:tcPr/>
+                </a:tc>
+                <a:tc>
+                  <a:txBody>
+                    <a:bodyPr/>
+                    <a:lstStyle/>
+                    <a:p>
+                      <a:pPr marL="0" lvl="0" indent="0" algn="l">
+                        <a:buNone/>
+                      </a:pPr>
+                      <a:r>
                         <a:t>Sep 8 - Sep 14</a:t>
                       </a:r>
                     </a:p>
                   </a:txBody>
-                </a:tc>
-                <a:tc>
-                  <a:txBody>
-                    <a:bodyPr/>
-                    <a:lstStyle/>
-                    <a:p>
-                      <a:pPr lvl="0" indent="0" marL="0" algn="l">
-                        <a:buNone/>
-                      </a:pPr>
-                      <a:r>
-                        <a:rPr/>
+                  <a:tcPr/>
+                </a:tc>
+                <a:tc>
+                  <a:txBody>
+                    <a:bodyPr/>
+                    <a:lstStyle/>
+                    <a:p>
+                      <a:pPr marL="0" lvl="0" indent="0" algn="l">
+                        <a:buNone/>
+                      </a:pPr>
+                      <a:r>
                         <a:t>Handling spatial data in R (join, buffer, union, Spatial subsetting, raster calculator, zonal statistics; DEM-derivatives)</a:t>
                       </a:r>
                     </a:p>
                   </a:txBody>
-                </a:tc>
-                <a:tc>
-                  <a:txBody>
-                    <a:bodyPr/>
-                    <a:lstStyle/>
-                    <a:p>
-                      <a:pPr lvl="0" indent="0" marL="0" algn="l">
-                        <a:buNone/>
-                      </a:pPr>
-                      <a:r>
-                        <a:rPr/>
+                  <a:tcPr/>
+                </a:tc>
+                <a:tc>
+                  <a:txBody>
+                    <a:bodyPr/>
+                    <a:lstStyle/>
+                    <a:p>
+                      <a:pPr marL="0" lvl="0" indent="0" algn="l">
+                        <a:buNone/>
+                      </a:pPr>
+                      <a:r>
                         <a:t>Lab 2: Characterizing Wildland–Urban Interface in Virginia (Rscript)</a:t>
                       </a:r>
                     </a:p>
                   </a:txBody>
-                </a:tc>
+                  <a:tcPr/>
+                </a:tc>
+                <a:extLst>
+                  <a:ext uri="{0D108BD9-81ED-4DB2-BD59-A6C34878D82A}">
+                    <a16:rowId xmlns:a16="http://schemas.microsoft.com/office/drawing/2014/main" val="10003"/>
+                  </a:ext>
+                </a:extLst>
               </a:tr>
               <a:tr h="0">
                 <a:tc>
@@ -5496,61 +5601,66 @@
                     <a:bodyPr/>
                     <a:lstStyle/>
                     <a:p>
-                      <a:pPr lvl="0" indent="0" marL="0" algn="l">
-                        <a:buNone/>
-                      </a:pPr>
-                      <a:r>
-                        <a:rPr/>
+                      <a:pPr marL="0" lvl="0" indent="0" algn="l">
+                        <a:buNone/>
+                      </a:pPr>
+                      <a:r>
                         <a:t>Week 4</a:t>
                       </a:r>
                     </a:p>
                   </a:txBody>
-                </a:tc>
-                <a:tc>
-                  <a:txBody>
-                    <a:bodyPr/>
-                    <a:lstStyle/>
-                    <a:p>
-                      <a:pPr lvl="0" indent="0" marL="0" algn="l">
-                        <a:buNone/>
-                      </a:pPr>
-                      <a:r>
-                        <a:rPr/>
+                  <a:tcPr/>
+                </a:tc>
+                <a:tc>
+                  <a:txBody>
+                    <a:bodyPr/>
+                    <a:lstStyle/>
+                    <a:p>
+                      <a:pPr marL="0" lvl="0" indent="0" algn="l">
+                        <a:buNone/>
+                      </a:pPr>
+                      <a:r>
                         <a:t>Sep 15 - Sep 21</a:t>
                       </a:r>
                     </a:p>
                   </a:txBody>
-                </a:tc>
-                <a:tc>
-                  <a:txBody>
-                    <a:bodyPr/>
-                    <a:lstStyle/>
-                    <a:p>
-                      <a:pPr lvl="0" indent="0" marL="0" algn="l">
-                        <a:buNone/>
-                      </a:pPr>
-                      <a:r>
-                        <a:rPr/>
+                  <a:tcPr/>
+                </a:tc>
+                <a:tc>
+                  <a:txBody>
+                    <a:bodyPr/>
+                    <a:lstStyle/>
+                    <a:p>
+                      <a:pPr marL="0" lvl="0" indent="0" algn="l">
+                        <a:buNone/>
+                      </a:pPr>
+                      <a:r>
                         <a:t>Create maps in R</a:t>
                       </a:r>
                     </a:p>
                   </a:txBody>
-                </a:tc>
-                <a:tc>
-                  <a:txBody>
-                    <a:bodyPr/>
-                    <a:lstStyle/>
-                    <a:p>
-                      <a:pPr lvl="0" indent="0" marL="0" algn="l">
-                        <a:buNone/>
-                      </a:pPr>
-                      <a:r>
-                        <a:rPr/>
+                  <a:tcPr/>
+                </a:tc>
+                <a:tc>
+                  <a:txBody>
+                    <a:bodyPr/>
+                    <a:lstStyle/>
+                    <a:p>
+                      <a:pPr marL="0" lvl="0" indent="0" algn="l">
+                        <a:buNone/>
+                      </a:pPr>
+                      <a:r>
                         <a:t>Lab 3: Fire Fuel Mapping and Modeling in a Forested Environment (Rscript)</a:t>
                       </a:r>
                     </a:p>
                   </a:txBody>
-                </a:tc>
+                  <a:tcPr/>
+                </a:tc>
+                <a:extLst>
+                  <a:ext uri="{0D108BD9-81ED-4DB2-BD59-A6C34878D82A}">
+                    <a16:rowId xmlns:a16="http://schemas.microsoft.com/office/drawing/2014/main" val="10004"/>
+                  </a:ext>
+                </a:extLst>
               </a:tr>
               <a:tr h="0">
                 <a:tc>
@@ -5558,61 +5668,66 @@
                     <a:bodyPr/>
                     <a:lstStyle/>
                     <a:p>
-                      <a:pPr lvl="0" indent="0" marL="0" algn="l">
-                        <a:buNone/>
-                      </a:pPr>
-                      <a:r>
-                        <a:rPr/>
+                      <a:pPr marL="0" lvl="0" indent="0" algn="l">
+                        <a:buNone/>
+                      </a:pPr>
+                      <a:r>
                         <a:t>Week 5</a:t>
                       </a:r>
                     </a:p>
                   </a:txBody>
-                </a:tc>
-                <a:tc>
-                  <a:txBody>
-                    <a:bodyPr/>
-                    <a:lstStyle/>
-                    <a:p>
-                      <a:pPr lvl="0" indent="0" marL="0" algn="l">
-                        <a:buNone/>
-                      </a:pPr>
-                      <a:r>
-                        <a:rPr/>
+                  <a:tcPr/>
+                </a:tc>
+                <a:tc>
+                  <a:txBody>
+                    <a:bodyPr/>
+                    <a:lstStyle/>
+                    <a:p>
+                      <a:pPr marL="0" lvl="0" indent="0" algn="l">
+                        <a:buNone/>
+                      </a:pPr>
+                      <a:r>
                         <a:t>Sep 22 - Sep 28</a:t>
                       </a:r>
                     </a:p>
                   </a:txBody>
-                </a:tc>
-                <a:tc>
-                  <a:txBody>
-                    <a:bodyPr/>
-                    <a:lstStyle/>
-                    <a:p>
-                      <a:pPr lvl="0" indent="0" marL="0" algn="l">
-                        <a:buNone/>
-                      </a:pPr>
-                      <a:r>
-                        <a:rPr/>
+                  <a:tcPr/>
+                </a:tc>
+                <a:tc>
+                  <a:txBody>
+                    <a:bodyPr/>
+                    <a:lstStyle/>
+                    <a:p>
+                      <a:pPr marL="0" lvl="0" indent="0" algn="l">
+                        <a:buNone/>
+                      </a:pPr>
+                      <a:r>
                         <a:t>R Scripts; Loops and repetition; Conditional Element Selection; Build your R functions</a:t>
                       </a:r>
                     </a:p>
                   </a:txBody>
-                </a:tc>
-                <a:tc>
-                  <a:txBody>
-                    <a:bodyPr/>
-                    <a:lstStyle/>
-                    <a:p>
-                      <a:pPr lvl="0" indent="0" marL="0" algn="l">
-                        <a:buNone/>
-                      </a:pPr>
-                      <a:r>
-                        <a:rPr/>
+                  <a:tcPr/>
+                </a:tc>
+                <a:tc>
+                  <a:txBody>
+                    <a:bodyPr/>
+                    <a:lstStyle/>
+                    <a:p>
+                      <a:pPr marL="0" lvl="0" indent="0" algn="l">
+                        <a:buNone/>
+                      </a:pPr>
+                      <a:r>
                         <a:t>Lab 4: Working with census data</a:t>
                       </a:r>
                     </a:p>
                   </a:txBody>
-                </a:tc>
+                  <a:tcPr/>
+                </a:tc>
+                <a:extLst>
+                  <a:ext uri="{0D108BD9-81ED-4DB2-BD59-A6C34878D82A}">
+                    <a16:rowId xmlns:a16="http://schemas.microsoft.com/office/drawing/2014/main" val="10005"/>
+                  </a:ext>
+                </a:extLst>
               </a:tr>
               <a:tr h="0">
                 <a:tc>
@@ -5620,61 +5735,66 @@
                     <a:bodyPr/>
                     <a:lstStyle/>
                     <a:p>
-                      <a:pPr lvl="0" indent="0" marL="0" algn="l">
-                        <a:buNone/>
-                      </a:pPr>
-                      <a:r>
-                        <a:rPr/>
+                      <a:pPr marL="0" lvl="0" indent="0" algn="l">
+                        <a:buNone/>
+                      </a:pPr>
+                      <a:r>
                         <a:t>Week 6</a:t>
                       </a:r>
                     </a:p>
                   </a:txBody>
-                </a:tc>
-                <a:tc>
-                  <a:txBody>
-                    <a:bodyPr/>
-                    <a:lstStyle/>
-                    <a:p>
-                      <a:pPr lvl="0" indent="0" marL="0" algn="l">
-                        <a:buNone/>
-                      </a:pPr>
-                      <a:r>
-                        <a:rPr/>
+                  <a:tcPr/>
+                </a:tc>
+                <a:tc>
+                  <a:txBody>
+                    <a:bodyPr/>
+                    <a:lstStyle/>
+                    <a:p>
+                      <a:pPr marL="0" lvl="0" indent="0" algn="l">
+                        <a:buNone/>
+                      </a:pPr>
+                      <a:r>
                         <a:t>Sep 29 - Oct 5</a:t>
                       </a:r>
                     </a:p>
                   </a:txBody>
-                </a:tc>
-                <a:tc>
-                  <a:txBody>
-                    <a:bodyPr/>
-                    <a:lstStyle/>
-                    <a:p>
-                      <a:pPr lvl="0" indent="0" marL="0" algn="l">
-                        <a:buNone/>
-                      </a:pPr>
-                      <a:r>
-                        <a:rPr/>
+                  <a:tcPr/>
+                </a:tc>
+                <a:tc>
+                  <a:txBody>
+                    <a:bodyPr/>
+                    <a:lstStyle/>
+                    <a:p>
+                      <a:pPr marL="0" lvl="0" indent="0" algn="l">
+                        <a:buNone/>
+                      </a:pPr>
+                      <a:r>
                         <a:t>Remote sensing image classification using Random Forest algorithm</a:t>
                       </a:r>
                     </a:p>
                   </a:txBody>
-                </a:tc>
-                <a:tc>
-                  <a:txBody>
-                    <a:bodyPr/>
-                    <a:lstStyle/>
-                    <a:p>
-                      <a:pPr lvl="0" indent="0" marL="0" algn="l">
-                        <a:buNone/>
-                      </a:pPr>
-                      <a:r>
-                        <a:rPr/>
+                  <a:tcPr/>
+                </a:tc>
+                <a:tc>
+                  <a:txBody>
+                    <a:bodyPr/>
+                    <a:lstStyle/>
+                    <a:p>
+                      <a:pPr marL="0" lvl="0" indent="0" algn="l">
+                        <a:buNone/>
+                      </a:pPr>
+                      <a:r>
                         <a:t>Lab 5: Image classification with R</a:t>
                       </a:r>
                     </a:p>
                   </a:txBody>
-                </a:tc>
+                  <a:tcPr/>
+                </a:tc>
+                <a:extLst>
+                  <a:ext uri="{0D108BD9-81ED-4DB2-BD59-A6C34878D82A}">
+                    <a16:rowId xmlns:a16="http://schemas.microsoft.com/office/drawing/2014/main" val="10006"/>
+                  </a:ext>
+                </a:extLst>
               </a:tr>
               <a:tr h="0">
                 <a:tc>
@@ -5682,61 +5802,66 @@
                     <a:bodyPr/>
                     <a:lstStyle/>
                     <a:p>
-                      <a:pPr lvl="0" indent="0" marL="0" algn="l">
-                        <a:buNone/>
-                      </a:pPr>
-                      <a:r>
-                        <a:rPr/>
+                      <a:pPr marL="0" lvl="0" indent="0" algn="l">
+                        <a:buNone/>
+                      </a:pPr>
+                      <a:r>
                         <a:t>Week 7</a:t>
                       </a:r>
                     </a:p>
                   </a:txBody>
-                </a:tc>
-                <a:tc>
-                  <a:txBody>
-                    <a:bodyPr/>
-                    <a:lstStyle/>
-                    <a:p>
-                      <a:pPr lvl="0" indent="0" marL="0" algn="l">
-                        <a:buNone/>
-                      </a:pPr>
-                      <a:r>
-                        <a:rPr/>
+                  <a:tcPr/>
+                </a:tc>
+                <a:tc>
+                  <a:txBody>
+                    <a:bodyPr/>
+                    <a:lstStyle/>
+                    <a:p>
+                      <a:pPr marL="0" lvl="0" indent="0" algn="l">
+                        <a:buNone/>
+                      </a:pPr>
+                      <a:r>
                         <a:t>Oct 6 - Oct 12</a:t>
                       </a:r>
                     </a:p>
                   </a:txBody>
-                </a:tc>
-                <a:tc>
-                  <a:txBody>
-                    <a:bodyPr/>
-                    <a:lstStyle/>
-                    <a:p>
-                      <a:pPr lvl="0" indent="0" marL="0" algn="l">
-                        <a:buNone/>
-                      </a:pPr>
-                      <a:r>
-                        <a:rPr/>
+                  <a:tcPr/>
+                </a:tc>
+                <a:tc>
+                  <a:txBody>
+                    <a:bodyPr/>
+                    <a:lstStyle/>
+                    <a:p>
+                      <a:pPr marL="0" lvl="0" indent="0" algn="l">
+                        <a:buNone/>
+                      </a:pPr>
+                      <a:r>
                         <a:t>Remote sensing image classification; cross-validation; caret package</a:t>
                       </a:r>
                     </a:p>
                   </a:txBody>
-                </a:tc>
-                <a:tc>
-                  <a:txBody>
-                    <a:bodyPr/>
-                    <a:lstStyle/>
-                    <a:p>
-                      <a:pPr lvl="0" indent="0" marL="0" algn="l">
-                        <a:buNone/>
-                      </a:pPr>
-                      <a:r>
-                        <a:rPr/>
+                  <a:tcPr/>
+                </a:tc>
+                <a:tc>
+                  <a:txBody>
+                    <a:bodyPr/>
+                    <a:lstStyle/>
+                    <a:p>
+                      <a:pPr marL="0" lvl="0" indent="0" algn="l">
+                        <a:buNone/>
+                      </a:pPr>
+                      <a:r>
                         <a:t>Lab 5: Image classification with R</a:t>
                       </a:r>
                     </a:p>
                   </a:txBody>
-                </a:tc>
+                  <a:tcPr/>
+                </a:tc>
+                <a:extLst>
+                  <a:ext uri="{0D108BD9-81ED-4DB2-BD59-A6C34878D82A}">
+                    <a16:rowId xmlns:a16="http://schemas.microsoft.com/office/drawing/2014/main" val="10007"/>
+                  </a:ext>
+                </a:extLst>
               </a:tr>
               <a:tr h="0">
                 <a:tc>
@@ -5744,61 +5869,66 @@
                     <a:bodyPr/>
                     <a:lstStyle/>
                     <a:p>
-                      <a:pPr lvl="0" indent="0" marL="0" algn="l">
-                        <a:buNone/>
-                      </a:pPr>
-                      <a:r>
-                        <a:rPr/>
+                      <a:pPr marL="0" lvl="0" indent="0" algn="l">
+                        <a:buNone/>
+                      </a:pPr>
+                      <a:r>
                         <a:t>Week 8</a:t>
                       </a:r>
                     </a:p>
                   </a:txBody>
-                </a:tc>
-                <a:tc>
-                  <a:txBody>
-                    <a:bodyPr/>
-                    <a:lstStyle/>
-                    <a:p>
-                      <a:pPr lvl="0" indent="0" marL="0" algn="l">
-                        <a:buNone/>
-                      </a:pPr>
-                      <a:r>
-                        <a:rPr/>
+                  <a:tcPr/>
+                </a:tc>
+                <a:tc>
+                  <a:txBody>
+                    <a:bodyPr/>
+                    <a:lstStyle/>
+                    <a:p>
+                      <a:pPr marL="0" lvl="0" indent="0" algn="l">
+                        <a:buNone/>
+                      </a:pPr>
+                      <a:r>
                         <a:t>Oct 13 - Oct 19</a:t>
                       </a:r>
                     </a:p>
                   </a:txBody>
-                </a:tc>
-                <a:tc>
-                  <a:txBody>
-                    <a:bodyPr/>
-                    <a:lstStyle/>
-                    <a:p>
-                      <a:pPr lvl="0" indent="0" marL="0" algn="l">
-                        <a:buNone/>
-                      </a:pPr>
-                      <a:r>
-                        <a:rPr/>
+                  <a:tcPr/>
+                </a:tc>
+                <a:tc>
+                  <a:txBody>
+                    <a:bodyPr/>
+                    <a:lstStyle/>
+                    <a:p>
+                      <a:pPr marL="0" lvl="0" indent="0" algn="l">
+                        <a:buNone/>
+                      </a:pPr>
+                      <a:r>
                         <a:t>Regression analysis; Logistic regression</a:t>
                       </a:r>
                     </a:p>
                   </a:txBody>
-                </a:tc>
-                <a:tc>
-                  <a:txBody>
-                    <a:bodyPr/>
-                    <a:lstStyle/>
-                    <a:p>
-                      <a:pPr lvl="0" indent="0" marL="0" algn="l">
-                        <a:buNone/>
-                      </a:pPr>
-                      <a:r>
-                        <a:rPr/>
+                  <a:tcPr/>
+                </a:tc>
+                <a:tc>
+                  <a:txBody>
+                    <a:bodyPr/>
+                    <a:lstStyle/>
+                    <a:p>
+                      <a:pPr marL="0" lvl="0" indent="0" algn="l">
+                        <a:buNone/>
+                      </a:pPr>
+                      <a:r>
                         <a:t>Lab 6: logistic regression for urban growth simulation</a:t>
                       </a:r>
                     </a:p>
                   </a:txBody>
-                </a:tc>
+                  <a:tcPr/>
+                </a:tc>
+                <a:extLst>
+                  <a:ext uri="{0D108BD9-81ED-4DB2-BD59-A6C34878D82A}">
+                    <a16:rowId xmlns:a16="http://schemas.microsoft.com/office/drawing/2014/main" val="10008"/>
+                  </a:ext>
+                </a:extLst>
               </a:tr>
               <a:tr h="0">
                 <a:tc>
@@ -5806,61 +5936,66 @@
                     <a:bodyPr/>
                     <a:lstStyle/>
                     <a:p>
-                      <a:pPr lvl="0" indent="0" marL="0" algn="l">
-                        <a:buNone/>
-                      </a:pPr>
-                      <a:r>
-                        <a:rPr/>
+                      <a:pPr marL="0" lvl="0" indent="0" algn="l">
+                        <a:buNone/>
+                      </a:pPr>
+                      <a:r>
                         <a:t>Week 9</a:t>
                       </a:r>
                     </a:p>
                   </a:txBody>
-                </a:tc>
-                <a:tc>
-                  <a:txBody>
-                    <a:bodyPr/>
-                    <a:lstStyle/>
-                    <a:p>
-                      <a:pPr lvl="0" indent="0" marL="0" algn="l">
-                        <a:buNone/>
-                      </a:pPr>
-                      <a:r>
-                        <a:rPr/>
+                  <a:tcPr/>
+                </a:tc>
+                <a:tc>
+                  <a:txBody>
+                    <a:bodyPr/>
+                    <a:lstStyle/>
+                    <a:p>
+                      <a:pPr marL="0" lvl="0" indent="0" algn="l">
+                        <a:buNone/>
+                      </a:pPr>
+                      <a:r>
                         <a:t>Oct 20 - Oct 26</a:t>
                       </a:r>
                     </a:p>
                   </a:txBody>
-                </a:tc>
-                <a:tc>
-                  <a:txBody>
-                    <a:bodyPr/>
-                    <a:lstStyle/>
-                    <a:p>
-                      <a:pPr lvl="0" indent="0" marL="0" algn="l">
-                        <a:buNone/>
-                      </a:pPr>
-                      <a:r>
-                        <a:rPr/>
+                  <a:tcPr/>
+                </a:tc>
+                <a:tc>
+                  <a:txBody>
+                    <a:bodyPr/>
+                    <a:lstStyle/>
+                    <a:p>
+                      <a:pPr marL="0" lvl="0" indent="0" algn="l">
+                        <a:buNone/>
+                      </a:pPr>
+                      <a:r>
                         <a:t>Time-series analysis</a:t>
                       </a:r>
                     </a:p>
                   </a:txBody>
-                </a:tc>
-                <a:tc>
-                  <a:txBody>
-                    <a:bodyPr/>
-                    <a:lstStyle/>
-                    <a:p>
-                      <a:pPr lvl="0" indent="0" marL="0" algn="l">
-                        <a:buNone/>
-                      </a:pPr>
-                      <a:r>
-                        <a:rPr/>
+                  <a:tcPr/>
+                </a:tc>
+                <a:tc>
+                  <a:txBody>
+                    <a:bodyPr/>
+                    <a:lstStyle/>
+                    <a:p>
+                      <a:pPr marL="0" lvl="0" indent="0" algn="l">
+                        <a:buNone/>
+                      </a:pPr>
+                      <a:r>
                         <a:t>Lab 6: logistic regression for urban growth simulation</a:t>
                       </a:r>
                     </a:p>
                   </a:txBody>
-                </a:tc>
+                  <a:tcPr/>
+                </a:tc>
+                <a:extLst>
+                  <a:ext uri="{0D108BD9-81ED-4DB2-BD59-A6C34878D82A}">
+                    <a16:rowId xmlns:a16="http://schemas.microsoft.com/office/drawing/2014/main" val="10009"/>
+                  </a:ext>
+                </a:extLst>
               </a:tr>
               <a:tr h="0">
                 <a:tc>
@@ -5868,61 +6003,66 @@
                     <a:bodyPr/>
                     <a:lstStyle/>
                     <a:p>
-                      <a:pPr lvl="0" indent="0" marL="0" algn="l">
-                        <a:buNone/>
-                      </a:pPr>
-                      <a:r>
-                        <a:rPr/>
+                      <a:pPr marL="0" lvl="0" indent="0" algn="l">
+                        <a:buNone/>
+                      </a:pPr>
+                      <a:r>
                         <a:t>Week 10</a:t>
                       </a:r>
                     </a:p>
                   </a:txBody>
-                </a:tc>
-                <a:tc>
-                  <a:txBody>
-                    <a:bodyPr/>
-                    <a:lstStyle/>
-                    <a:p>
-                      <a:pPr lvl="0" indent="0" marL="0" algn="l">
-                        <a:buNone/>
-                      </a:pPr>
-                      <a:r>
-                        <a:rPr/>
+                  <a:tcPr/>
+                </a:tc>
+                <a:tc>
+                  <a:txBody>
+                    <a:bodyPr/>
+                    <a:lstStyle/>
+                    <a:p>
+                      <a:pPr marL="0" lvl="0" indent="0" algn="l">
+                        <a:buNone/>
+                      </a:pPr>
+                      <a:r>
                         <a:t>Oct 27 - Nov 2</a:t>
                       </a:r>
                     </a:p>
                   </a:txBody>
-                </a:tc>
-                <a:tc>
-                  <a:txBody>
-                    <a:bodyPr/>
-                    <a:lstStyle/>
-                    <a:p>
-                      <a:pPr lvl="0" indent="0" marL="0" algn="l">
-                        <a:buNone/>
-                      </a:pPr>
-                      <a:r>
-                        <a:rPr/>
+                  <a:tcPr/>
+                </a:tc>
+                <a:tc>
+                  <a:txBody>
+                    <a:bodyPr/>
+                    <a:lstStyle/>
+                    <a:p>
+                      <a:pPr marL="0" lvl="0" indent="0" algn="l">
+                        <a:buNone/>
+                      </a:pPr>
+                      <a:r>
                         <a:t>Linux environment; R in high-performance computing environment; VT-ARC</a:t>
                       </a:r>
                     </a:p>
                   </a:txBody>
-                </a:tc>
-                <a:tc>
-                  <a:txBody>
-                    <a:bodyPr/>
-                    <a:lstStyle/>
-                    <a:p>
-                      <a:pPr lvl="0" indent="0" marL="0" algn="l">
-                        <a:buNone/>
-                      </a:pPr>
-                      <a:r>
-                        <a:rPr/>
+                  <a:tcPr/>
+                </a:tc>
+                <a:tc>
+                  <a:txBody>
+                    <a:bodyPr/>
+                    <a:lstStyle/>
+                    <a:p>
+                      <a:pPr marL="0" lvl="0" indent="0" algn="l">
+                        <a:buNone/>
+                      </a:pPr>
+                      <a:r>
                         <a:t>Lab 7: Getting started with high-performance computing (VT-ARC)</a:t>
                       </a:r>
                     </a:p>
                   </a:txBody>
-                </a:tc>
+                  <a:tcPr/>
+                </a:tc>
+                <a:extLst>
+                  <a:ext uri="{0D108BD9-81ED-4DB2-BD59-A6C34878D82A}">
+                    <a16:rowId xmlns:a16="http://schemas.microsoft.com/office/drawing/2014/main" val="10010"/>
+                  </a:ext>
+                </a:extLst>
               </a:tr>
               <a:tr h="0">
                 <a:tc>
@@ -5930,61 +6070,66 @@
                     <a:bodyPr/>
                     <a:lstStyle/>
                     <a:p>
-                      <a:pPr lvl="0" indent="0" marL="0" algn="l">
-                        <a:buNone/>
-                      </a:pPr>
-                      <a:r>
-                        <a:rPr/>
+                      <a:pPr marL="0" lvl="0" indent="0" algn="l">
+                        <a:buNone/>
+                      </a:pPr>
+                      <a:r>
                         <a:t>Week 11</a:t>
                       </a:r>
                     </a:p>
                   </a:txBody>
-                </a:tc>
-                <a:tc>
-                  <a:txBody>
-                    <a:bodyPr/>
-                    <a:lstStyle/>
-                    <a:p>
-                      <a:pPr lvl="0" indent="0" marL="0" algn="l">
-                        <a:buNone/>
-                      </a:pPr>
-                      <a:r>
-                        <a:rPr/>
+                  <a:tcPr/>
+                </a:tc>
+                <a:tc>
+                  <a:txBody>
+                    <a:bodyPr/>
+                    <a:lstStyle/>
+                    <a:p>
+                      <a:pPr marL="0" lvl="0" indent="0" algn="l">
+                        <a:buNone/>
+                      </a:pPr>
+                      <a:r>
                         <a:t>Nov 3 - Nov 9</a:t>
                       </a:r>
                     </a:p>
                   </a:txBody>
-                </a:tc>
-                <a:tc>
-                  <a:txBody>
-                    <a:bodyPr/>
-                    <a:lstStyle/>
-                    <a:p>
-                      <a:pPr lvl="0" indent="0" marL="0" algn="l">
-                        <a:buNone/>
-                      </a:pPr>
-                      <a:r>
-                        <a:rPr/>
+                  <a:tcPr/>
+                </a:tc>
+                <a:tc>
+                  <a:txBody>
+                    <a:bodyPr/>
+                    <a:lstStyle/>
+                    <a:p>
+                      <a:pPr marL="0" lvl="0" indent="0" algn="l">
+                        <a:buNone/>
+                      </a:pPr>
+                      <a:r>
                         <a:t>Linux environment; R in high-performance computing environment; VT-ARC</a:t>
                       </a:r>
                     </a:p>
                   </a:txBody>
-                </a:tc>
-                <a:tc>
-                  <a:txBody>
-                    <a:bodyPr/>
-                    <a:lstStyle/>
-                    <a:p>
-                      <a:pPr lvl="0" indent="0" marL="0" algn="l">
-                        <a:buNone/>
-                      </a:pPr>
-                      <a:r>
-                        <a:rPr/>
+                  <a:tcPr/>
+                </a:tc>
+                <a:tc>
+                  <a:txBody>
+                    <a:bodyPr/>
+                    <a:lstStyle/>
+                    <a:p>
+                      <a:pPr marL="0" lvl="0" indent="0" algn="l">
+                        <a:buNone/>
+                      </a:pPr>
+                      <a:r>
                         <a:t>Lab 7: Getting started with high-performance computing (VT-ARC)</a:t>
                       </a:r>
                     </a:p>
                   </a:txBody>
-                </a:tc>
+                  <a:tcPr/>
+                </a:tc>
+                <a:extLst>
+                  <a:ext uri="{0D108BD9-81ED-4DB2-BD59-A6C34878D82A}">
+                    <a16:rowId xmlns:a16="http://schemas.microsoft.com/office/drawing/2014/main" val="10011"/>
+                  </a:ext>
+                </a:extLst>
               </a:tr>
               <a:tr h="0">
                 <a:tc>
@@ -5992,61 +6137,66 @@
                     <a:bodyPr/>
                     <a:lstStyle/>
                     <a:p>
-                      <a:pPr lvl="0" indent="0" marL="0" algn="l">
-                        <a:buNone/>
-                      </a:pPr>
-                      <a:r>
-                        <a:rPr/>
+                      <a:pPr marL="0" lvl="0" indent="0" algn="l">
+                        <a:buNone/>
+                      </a:pPr>
+                      <a:r>
                         <a:t>Week 12</a:t>
                       </a:r>
                     </a:p>
                   </a:txBody>
-                </a:tc>
-                <a:tc>
-                  <a:txBody>
-                    <a:bodyPr/>
-                    <a:lstStyle/>
-                    <a:p>
-                      <a:pPr lvl="0" indent="0" marL="0" algn="l">
-                        <a:buNone/>
-                      </a:pPr>
-                      <a:r>
-                        <a:rPr/>
+                  <a:tcPr/>
+                </a:tc>
+                <a:tc>
+                  <a:txBody>
+                    <a:bodyPr/>
+                    <a:lstStyle/>
+                    <a:p>
+                      <a:pPr marL="0" lvl="0" indent="0" algn="l">
+                        <a:buNone/>
+                      </a:pPr>
+                      <a:r>
                         <a:t>Nov 10 - Nov 16</a:t>
                       </a:r>
                     </a:p>
                   </a:txBody>
-                </a:tc>
-                <a:tc>
-                  <a:txBody>
-                    <a:bodyPr/>
-                    <a:lstStyle/>
-                    <a:p>
-                      <a:pPr lvl="0" indent="0" marL="0" algn="l">
-                        <a:buNone/>
-                      </a:pPr>
-                      <a:r>
-                        <a:rPr/>
+                  <a:tcPr/>
+                </a:tc>
+                <a:tc>
+                  <a:txBody>
+                    <a:bodyPr/>
+                    <a:lstStyle/>
+                    <a:p>
+                      <a:pPr marL="0" lvl="0" indent="0" algn="l">
+                        <a:buNone/>
+                      </a:pPr>
+                      <a:r>
                         <a:t>Spatial point pattern analysis; Principal components</a:t>
                       </a:r>
                     </a:p>
                   </a:txBody>
-                </a:tc>
-                <a:tc>
-                  <a:txBody>
-                    <a:bodyPr/>
-                    <a:lstStyle/>
-                    <a:p>
-                      <a:pPr lvl="0" indent="0" marL="0" algn="l">
-                        <a:buNone/>
-                      </a:pPr>
-                      <a:r>
-                        <a:rPr/>
+                  <a:tcPr/>
+                </a:tc>
+                <a:tc>
+                  <a:txBody>
+                    <a:bodyPr/>
+                    <a:lstStyle/>
+                    <a:p>
+                      <a:pPr marL="0" lvl="0" indent="0" algn="l">
+                        <a:buNone/>
+                      </a:pPr>
+                      <a:r>
                         <a:t>Lab 8: Spatial stats</a:t>
                       </a:r>
                     </a:p>
                   </a:txBody>
-                </a:tc>
+                  <a:tcPr/>
+                </a:tc>
+                <a:extLst>
+                  <a:ext uri="{0D108BD9-81ED-4DB2-BD59-A6C34878D82A}">
+                    <a16:rowId xmlns:a16="http://schemas.microsoft.com/office/drawing/2014/main" val="10012"/>
+                  </a:ext>
+                </a:extLst>
               </a:tr>
               <a:tr h="0">
                 <a:tc>
@@ -6054,61 +6204,66 @@
                     <a:bodyPr/>
                     <a:lstStyle/>
                     <a:p>
-                      <a:pPr lvl="0" indent="0" marL="0" algn="l">
-                        <a:buNone/>
-                      </a:pPr>
-                      <a:r>
-                        <a:rPr/>
+                      <a:pPr marL="0" lvl="0" indent="0" algn="l">
+                        <a:buNone/>
+                      </a:pPr>
+                      <a:r>
                         <a:t>Week 13</a:t>
                       </a:r>
                     </a:p>
                   </a:txBody>
-                </a:tc>
-                <a:tc>
-                  <a:txBody>
-                    <a:bodyPr/>
-                    <a:lstStyle/>
-                    <a:p>
-                      <a:pPr lvl="0" indent="0" marL="0" algn="l">
-                        <a:buNone/>
-                      </a:pPr>
-                      <a:r>
-                        <a:rPr/>
+                  <a:tcPr/>
+                </a:tc>
+                <a:tc>
+                  <a:txBody>
+                    <a:bodyPr/>
+                    <a:lstStyle/>
+                    <a:p>
+                      <a:pPr marL="0" lvl="0" indent="0" algn="l">
+                        <a:buNone/>
+                      </a:pPr>
+                      <a:r>
                         <a:t>Nov 17 - Nov 23</a:t>
                       </a:r>
                     </a:p>
                   </a:txBody>
-                </a:tc>
-                <a:tc>
-                  <a:txBody>
-                    <a:bodyPr/>
-                    <a:lstStyle/>
-                    <a:p>
-                      <a:pPr lvl="0" indent="0" marL="0" algn="l">
-                        <a:buNone/>
-                      </a:pPr>
-                      <a:r>
-                        <a:rPr/>
+                  <a:tcPr/>
+                </a:tc>
+                <a:tc>
+                  <a:txBody>
+                    <a:bodyPr/>
+                    <a:lstStyle/>
+                    <a:p>
+                      <a:pPr marL="0" lvl="0" indent="0" algn="l">
+                        <a:buNone/>
+                      </a:pPr>
+                      <a:r>
                         <a:t>R for web app; Shiny app</a:t>
                       </a:r>
                     </a:p>
                   </a:txBody>
-                </a:tc>
-                <a:tc>
-                  <a:txBody>
-                    <a:bodyPr/>
-                    <a:lstStyle/>
-                    <a:p>
-                      <a:pPr lvl="0" indent="0" marL="0" algn="l">
-                        <a:buNone/>
-                      </a:pPr>
-                      <a:r>
-                        <a:rPr/>
+                  <a:tcPr/>
+                </a:tc>
+                <a:tc>
+                  <a:txBody>
+                    <a:bodyPr/>
+                    <a:lstStyle/>
+                    <a:p>
+                      <a:pPr marL="0" lvl="0" indent="0" algn="l">
+                        <a:buNone/>
+                      </a:pPr>
+                      <a:r>
                         <a:t>Final project help session</a:t>
                       </a:r>
                     </a:p>
                   </a:txBody>
-                </a:tc>
+                  <a:tcPr/>
+                </a:tc>
+                <a:extLst>
+                  <a:ext uri="{0D108BD9-81ED-4DB2-BD59-A6C34878D82A}">
+                    <a16:rowId xmlns:a16="http://schemas.microsoft.com/office/drawing/2014/main" val="10013"/>
+                  </a:ext>
+                </a:extLst>
               </a:tr>
               <a:tr h="0">
                 <a:tc>
@@ -6116,61 +6271,66 @@
                     <a:bodyPr/>
                     <a:lstStyle/>
                     <a:p>
-                      <a:pPr lvl="0" indent="0" marL="0" algn="l">
-                        <a:buNone/>
-                      </a:pPr>
-                      <a:r>
-                        <a:rPr/>
+                      <a:pPr marL="0" lvl="0" indent="0" algn="l">
+                        <a:buNone/>
+                      </a:pPr>
+                      <a:r>
                         <a:t>Week 14</a:t>
                       </a:r>
                     </a:p>
                   </a:txBody>
-                </a:tc>
-                <a:tc>
-                  <a:txBody>
-                    <a:bodyPr/>
-                    <a:lstStyle/>
-                    <a:p>
-                      <a:pPr lvl="0" indent="0" marL="0" algn="l">
-                        <a:buNone/>
-                      </a:pPr>
-                      <a:r>
-                        <a:rPr/>
+                  <a:tcPr/>
+                </a:tc>
+                <a:tc>
+                  <a:txBody>
+                    <a:bodyPr/>
+                    <a:lstStyle/>
+                    <a:p>
+                      <a:pPr marL="0" lvl="0" indent="0" algn="l">
+                        <a:buNone/>
+                      </a:pPr>
+                      <a:r>
                         <a:t>Nov 24 - Nov 30</a:t>
                       </a:r>
                     </a:p>
                   </a:txBody>
-                </a:tc>
-                <a:tc>
-                  <a:txBody>
-                    <a:bodyPr/>
-                    <a:lstStyle/>
-                    <a:p>
-                      <a:pPr lvl="0" indent="0" marL="0" algn="l">
-                        <a:buNone/>
-                      </a:pPr>
-                      <a:r>
-                        <a:rPr/>
+                  <a:tcPr/>
+                </a:tc>
+                <a:tc>
+                  <a:txBody>
+                    <a:bodyPr/>
+                    <a:lstStyle/>
+                    <a:p>
+                      <a:pPr marL="0" lvl="0" indent="0" algn="l">
+                        <a:buNone/>
+                      </a:pPr>
+                      <a:r>
                         <a:t>Thanksgiving holiday</a:t>
                       </a:r>
                     </a:p>
                   </a:txBody>
-                </a:tc>
-                <a:tc>
-                  <a:txBody>
-                    <a:bodyPr/>
-                    <a:lstStyle/>
-                    <a:p>
-                      <a:pPr lvl="0" indent="0" marL="0" algn="l">
-                        <a:buNone/>
-                      </a:pPr>
-                      <a:r>
-                        <a:rPr/>
+                  <a:tcPr/>
+                </a:tc>
+                <a:tc>
+                  <a:txBody>
+                    <a:bodyPr/>
+                    <a:lstStyle/>
+                    <a:p>
+                      <a:pPr marL="0" lvl="0" indent="0" algn="l">
+                        <a:buNone/>
+                      </a:pPr>
+                      <a:r>
                         <a:t>NA</a:t>
                       </a:r>
                     </a:p>
                   </a:txBody>
-                </a:tc>
+                  <a:tcPr/>
+                </a:tc>
+                <a:extLst>
+                  <a:ext uri="{0D108BD9-81ED-4DB2-BD59-A6C34878D82A}">
+                    <a16:rowId xmlns:a16="http://schemas.microsoft.com/office/drawing/2014/main" val="10014"/>
+                  </a:ext>
+                </a:extLst>
               </a:tr>
               <a:tr h="0">
                 <a:tc>
@@ -6178,61 +6338,66 @@
                     <a:bodyPr/>
                     <a:lstStyle/>
                     <a:p>
-                      <a:pPr lvl="0" indent="0" marL="0" algn="l">
-                        <a:buNone/>
-                      </a:pPr>
-                      <a:r>
-                        <a:rPr/>
+                      <a:pPr marL="0" lvl="0" indent="0" algn="l">
+                        <a:buNone/>
+                      </a:pPr>
+                      <a:r>
                         <a:t>Week 15</a:t>
                       </a:r>
                     </a:p>
                   </a:txBody>
-                </a:tc>
-                <a:tc>
-                  <a:txBody>
-                    <a:bodyPr/>
-                    <a:lstStyle/>
-                    <a:p>
-                      <a:pPr lvl="0" indent="0" marL="0" algn="l">
-                        <a:buNone/>
-                      </a:pPr>
-                      <a:r>
-                        <a:rPr/>
+                  <a:tcPr/>
+                </a:tc>
+                <a:tc>
+                  <a:txBody>
+                    <a:bodyPr/>
+                    <a:lstStyle/>
+                    <a:p>
+                      <a:pPr marL="0" lvl="0" indent="0" algn="l">
+                        <a:buNone/>
+                      </a:pPr>
+                      <a:r>
                         <a:t>Dec 1 - Dec 7</a:t>
                       </a:r>
                     </a:p>
                   </a:txBody>
-                </a:tc>
-                <a:tc>
-                  <a:txBody>
-                    <a:bodyPr/>
-                    <a:lstStyle/>
-                    <a:p>
-                      <a:pPr lvl="0" indent="0" marL="0" algn="l">
-                        <a:buNone/>
-                      </a:pPr>
-                      <a:r>
-                        <a:rPr/>
+                  <a:tcPr/>
+                </a:tc>
+                <a:tc>
+                  <a:txBody>
+                    <a:bodyPr/>
+                    <a:lstStyle/>
+                    <a:p>
+                      <a:pPr marL="0" lvl="0" indent="0" algn="l">
+                        <a:buNone/>
+                      </a:pPr>
+                      <a:r>
                         <a:t>Final project (group presentation)</a:t>
                       </a:r>
                     </a:p>
                   </a:txBody>
-                </a:tc>
-                <a:tc>
-                  <a:txBody>
-                    <a:bodyPr/>
-                    <a:lstStyle/>
-                    <a:p>
-                      <a:pPr lvl="0" indent="0" marL="0" algn="l">
-                        <a:buNone/>
-                      </a:pPr>
-                      <a:r>
-                        <a:rPr/>
+                  <a:tcPr/>
+                </a:tc>
+                <a:tc>
+                  <a:txBody>
+                    <a:bodyPr/>
+                    <a:lstStyle/>
+                    <a:p>
+                      <a:pPr marL="0" lvl="0" indent="0" algn="l">
+                        <a:buNone/>
+                      </a:pPr>
+                      <a:r>
                         <a:t>Final project help session</a:t>
                       </a:r>
                     </a:p>
                   </a:txBody>
-                </a:tc>
+                  <a:tcPr/>
+                </a:tc>
+                <a:extLst>
+                  <a:ext uri="{0D108BD9-81ED-4DB2-BD59-A6C34878D82A}">
+                    <a16:rowId xmlns:a16="http://schemas.microsoft.com/office/drawing/2014/main" val="10015"/>
+                  </a:ext>
+                </a:extLst>
               </a:tr>
               <a:tr h="0">
                 <a:tc>
@@ -6240,61 +6405,66 @@
                     <a:bodyPr/>
                     <a:lstStyle/>
                     <a:p>
-                      <a:pPr lvl="0" indent="0" marL="0" algn="l">
-                        <a:buNone/>
-                      </a:pPr>
-                      <a:r>
-                        <a:rPr/>
+                      <a:pPr marL="0" lvl="0" indent="0" algn="l">
+                        <a:buNone/>
+                      </a:pPr>
+                      <a:r>
                         <a:t>Week 16</a:t>
                       </a:r>
                     </a:p>
                   </a:txBody>
-                </a:tc>
-                <a:tc>
-                  <a:txBody>
-                    <a:bodyPr/>
-                    <a:lstStyle/>
-                    <a:p>
-                      <a:pPr lvl="0" indent="0" marL="0" algn="l">
-                        <a:buNone/>
-                      </a:pPr>
-                      <a:r>
-                        <a:rPr/>
+                  <a:tcPr/>
+                </a:tc>
+                <a:tc>
+                  <a:txBody>
+                    <a:bodyPr/>
+                    <a:lstStyle/>
+                    <a:p>
+                      <a:pPr marL="0" lvl="0" indent="0" algn="l">
+                        <a:buNone/>
+                      </a:pPr>
+                      <a:r>
                         <a:t>Dec 8 - Dec 14</a:t>
                       </a:r>
                     </a:p>
                   </a:txBody>
-                </a:tc>
-                <a:tc>
-                  <a:txBody>
-                    <a:bodyPr/>
-                    <a:lstStyle/>
-                    <a:p>
-                      <a:pPr lvl="0" indent="0" marL="0" algn="l">
-                        <a:buNone/>
-                      </a:pPr>
-                      <a:r>
-                        <a:rPr/>
+                  <a:tcPr/>
+                </a:tc>
+                <a:tc>
+                  <a:txBody>
+                    <a:bodyPr/>
+                    <a:lstStyle/>
+                    <a:p>
+                      <a:pPr marL="0" lvl="0" indent="0" algn="l">
+                        <a:buNone/>
+                      </a:pPr>
+                      <a:r>
                         <a:t>Final project (group presentation)</a:t>
                       </a:r>
                     </a:p>
                   </a:txBody>
-                </a:tc>
-                <a:tc>
-                  <a:txBody>
-                    <a:bodyPr/>
-                    <a:lstStyle/>
-                    <a:p>
-                      <a:pPr lvl="0" indent="0" marL="0" algn="l">
-                        <a:buNone/>
-                      </a:pPr>
-                      <a:r>
-                        <a:rPr/>
+                  <a:tcPr/>
+                </a:tc>
+                <a:tc>
+                  <a:txBody>
+                    <a:bodyPr/>
+                    <a:lstStyle/>
+                    <a:p>
+                      <a:pPr marL="0" lvl="0" indent="0" algn="l">
+                        <a:buNone/>
+                      </a:pPr>
+                      <a:r>
                         <a:t>Final project (group presentation)</a:t>
                       </a:r>
                     </a:p>
                   </a:txBody>
-                </a:tc>
+                  <a:tcPr/>
+                </a:tc>
+                <a:extLst>
+                  <a:ext uri="{0D108BD9-81ED-4DB2-BD59-A6C34878D82A}">
+                    <a16:rowId xmlns:a16="http://schemas.microsoft.com/office/drawing/2014/main" val="10016"/>
+                  </a:ext>
+                </a:extLst>
               </a:tr>
             </a:tbl>
           </a:graphicData>
@@ -6302,6 +6472,9 @@
       </p:graphicFrame>
     </p:spTree>
   </p:cSld>
+  <p:clrMapOvr>
+    <a:masterClrMapping/>
+  </p:clrMapOvr>
 </p:sld>
 </file>
 
@@ -6337,11 +6510,10 @@
           <a:bodyPr/>
           <a:lstStyle/>
           <a:p>
-            <a:pPr lvl="0" indent="0" marL="0">
+            <a:pPr marL="0" lvl="0" indent="0">
               <a:buNone/>
             </a:pPr>
             <a:r>
-              <a:rPr/>
               <a:t>lab assignments</a:t>
             </a:r>
           </a:p>
@@ -6359,7 +6531,7 @@
         </p:nvGraphicFramePr>
         <p:xfrm>
           <a:off x="457200" y="1193800"/>
-          <a:ext cx="8229600" cy="3390900"/>
+          <a:ext cx="8229600" cy="2674620"/>
         </p:xfrm>
         <a:graphic>
           <a:graphicData uri="http://schemas.openxmlformats.org/drawingml/2006/table">
@@ -6368,7 +6540,13 @@
                 <a:tableStyleId>{5C22544A-7EE6-4342-B048-85BDC9FD1C3A}</a:tableStyleId>
               </a:tblPr>
               <a:tblGrid>
-                <a:gridCol w="8229600"/>
+                <a:gridCol w="8229600">
+                  <a:extLst>
+                    <a:ext uri="{9D8B030D-6E8A-4147-A177-3AD203B41FA5}">
+                      <a16:colId xmlns:a16="http://schemas.microsoft.com/office/drawing/2014/main" val="20000"/>
+                    </a:ext>
+                  </a:extLst>
+                </a:gridCol>
               </a:tblGrid>
               <a:tr h="0">
                 <a:tc>
@@ -6376,17 +6554,21 @@
                     <a:bodyPr/>
                     <a:lstStyle/>
                     <a:p>
-                      <a:pPr lvl="0" indent="0" marL="0" algn="l">
-                        <a:buNone/>
-                      </a:pPr>
-                      <a:r>
-                        <a:rPr/>
+                      <a:pPr marL="0" lvl="0" indent="0" algn="l">
+                        <a:buNone/>
+                      </a:pPr>
+                      <a:r>
                         <a:t>Topic</a:t>
                       </a:r>
                     </a:p>
                   </a:txBody>
                   <a:tcPr/>
                 </a:tc>
+                <a:extLst>
+                  <a:ext uri="{0D108BD9-81ED-4DB2-BD59-A6C34878D82A}">
+                    <a16:rowId xmlns:a16="http://schemas.microsoft.com/office/drawing/2014/main" val="10000"/>
+                  </a:ext>
+                </a:extLst>
               </a:tr>
               <a:tr h="0">
                 <a:tc>
@@ -6394,16 +6576,21 @@
                     <a:bodyPr/>
                     <a:lstStyle/>
                     <a:p>
-                      <a:pPr lvl="0" indent="0" marL="0" algn="l">
-                        <a:buNone/>
-                      </a:pPr>
-                      <a:r>
-                        <a:rPr/>
+                      <a:pPr marL="0" lvl="0" indent="0" algn="l">
+                        <a:buNone/>
+                      </a:pPr>
+                      <a:r>
                         <a:t>r_fundamentals</a:t>
                       </a:r>
                     </a:p>
                   </a:txBody>
-                </a:tc>
+                  <a:tcPr/>
+                </a:tc>
+                <a:extLst>
+                  <a:ext uri="{0D108BD9-81ED-4DB2-BD59-A6C34878D82A}">
+                    <a16:rowId xmlns:a16="http://schemas.microsoft.com/office/drawing/2014/main" val="10001"/>
+                  </a:ext>
+                </a:extLst>
               </a:tr>
               <a:tr h="0">
                 <a:tc>
@@ -6411,16 +6598,21 @@
                     <a:bodyPr/>
                     <a:lstStyle/>
                     <a:p>
-                      <a:pPr lvl="0" indent="0" marL="0" algn="l">
-                        <a:buNone/>
-                      </a:pPr>
-                      <a:r>
-                        <a:rPr/>
+                      <a:pPr marL="0" lvl="0" indent="0" algn="l">
+                        <a:buNone/>
+                      </a:pPr>
+                      <a:r>
                         <a:t>Characterizing Wildland–Urban Interface in Virginia (Rscript)</a:t>
                       </a:r>
                     </a:p>
                   </a:txBody>
-                </a:tc>
+                  <a:tcPr/>
+                </a:tc>
+                <a:extLst>
+                  <a:ext uri="{0D108BD9-81ED-4DB2-BD59-A6C34878D82A}">
+                    <a16:rowId xmlns:a16="http://schemas.microsoft.com/office/drawing/2014/main" val="10002"/>
+                  </a:ext>
+                </a:extLst>
               </a:tr>
               <a:tr h="0">
                 <a:tc>
@@ -6428,16 +6620,21 @@
                     <a:bodyPr/>
                     <a:lstStyle/>
                     <a:p>
-                      <a:pPr lvl="0" indent="0" marL="0" algn="l">
-                        <a:buNone/>
-                      </a:pPr>
-                      <a:r>
-                        <a:rPr/>
+                      <a:pPr marL="0" lvl="0" indent="0" algn="l">
+                        <a:buNone/>
+                      </a:pPr>
+                      <a:r>
                         <a:t>Fire Fuel Mapping and Modeling in a Forested Environment (Rscript)</a:t>
                       </a:r>
                     </a:p>
                   </a:txBody>
-                </a:tc>
+                  <a:tcPr/>
+                </a:tc>
+                <a:extLst>
+                  <a:ext uri="{0D108BD9-81ED-4DB2-BD59-A6C34878D82A}">
+                    <a16:rowId xmlns:a16="http://schemas.microsoft.com/office/drawing/2014/main" val="10003"/>
+                  </a:ext>
+                </a:extLst>
               </a:tr>
               <a:tr h="0">
                 <a:tc>
@@ -6445,16 +6642,21 @@
                     <a:bodyPr/>
                     <a:lstStyle/>
                     <a:p>
-                      <a:pPr lvl="0" indent="0" marL="0" algn="l">
-                        <a:buNone/>
-                      </a:pPr>
-                      <a:r>
-                        <a:rPr/>
+                      <a:pPr marL="0" lvl="0" indent="0" algn="l">
+                        <a:buNone/>
+                      </a:pPr>
+                      <a:r>
                         <a:t>Working with census data</a:t>
                       </a:r>
                     </a:p>
                   </a:txBody>
-                </a:tc>
+                  <a:tcPr/>
+                </a:tc>
+                <a:extLst>
+                  <a:ext uri="{0D108BD9-81ED-4DB2-BD59-A6C34878D82A}">
+                    <a16:rowId xmlns:a16="http://schemas.microsoft.com/office/drawing/2014/main" val="10004"/>
+                  </a:ext>
+                </a:extLst>
               </a:tr>
               <a:tr h="0">
                 <a:tc>
@@ -6462,16 +6664,21 @@
                     <a:bodyPr/>
                     <a:lstStyle/>
                     <a:p>
-                      <a:pPr lvl="0" indent="0" marL="0" algn="l">
-                        <a:buNone/>
-                      </a:pPr>
-                      <a:r>
-                        <a:rPr/>
+                      <a:pPr marL="0" lvl="0" indent="0" algn="l">
+                        <a:buNone/>
+                      </a:pPr>
+                      <a:r>
                         <a:t>Landsat Image classification with R</a:t>
                       </a:r>
                     </a:p>
                   </a:txBody>
-                </a:tc>
+                  <a:tcPr/>
+                </a:tc>
+                <a:extLst>
+                  <a:ext uri="{0D108BD9-81ED-4DB2-BD59-A6C34878D82A}">
+                    <a16:rowId xmlns:a16="http://schemas.microsoft.com/office/drawing/2014/main" val="10005"/>
+                  </a:ext>
+                </a:extLst>
               </a:tr>
               <a:tr h="0">
                 <a:tc>
@@ -6479,16 +6686,21 @@
                     <a:bodyPr/>
                     <a:lstStyle/>
                     <a:p>
-                      <a:pPr lvl="0" indent="0" marL="0" algn="l">
-                        <a:buNone/>
-                      </a:pPr>
-                      <a:r>
-                        <a:rPr/>
+                      <a:pPr marL="0" lvl="0" indent="0" algn="l">
+                        <a:buNone/>
+                      </a:pPr>
+                      <a:r>
                         <a:t>Logistic regression for urban growth simulation</a:t>
                       </a:r>
                     </a:p>
                   </a:txBody>
-                </a:tc>
+                  <a:tcPr/>
+                </a:tc>
+                <a:extLst>
+                  <a:ext uri="{0D108BD9-81ED-4DB2-BD59-A6C34878D82A}">
+                    <a16:rowId xmlns:a16="http://schemas.microsoft.com/office/drawing/2014/main" val="10006"/>
+                  </a:ext>
+                </a:extLst>
               </a:tr>
               <a:tr h="0">
                 <a:tc>
@@ -6496,16 +6708,21 @@
                     <a:bodyPr/>
                     <a:lstStyle/>
                     <a:p>
-                      <a:pPr lvl="0" indent="0" marL="0" algn="l">
-                        <a:buNone/>
-                      </a:pPr>
-                      <a:r>
-                        <a:rPr/>
+                      <a:pPr marL="0" lvl="0" indent="0" algn="l">
+                        <a:buNone/>
+                      </a:pPr>
+                      <a:r>
                         <a:t>Getting started with high-performance computing (VT ARC)</a:t>
                       </a:r>
                     </a:p>
                   </a:txBody>
-                </a:tc>
+                  <a:tcPr/>
+                </a:tc>
+                <a:extLst>
+                  <a:ext uri="{0D108BD9-81ED-4DB2-BD59-A6C34878D82A}">
+                    <a16:rowId xmlns:a16="http://schemas.microsoft.com/office/drawing/2014/main" val="10007"/>
+                  </a:ext>
+                </a:extLst>
               </a:tr>
               <a:tr h="0">
                 <a:tc>
@@ -6513,16 +6730,21 @@
                     <a:bodyPr/>
                     <a:lstStyle/>
                     <a:p>
-                      <a:pPr lvl="0" indent="0" marL="0" algn="l">
-                        <a:buNone/>
-                      </a:pPr>
-                      <a:r>
-                        <a:rPr/>
+                      <a:pPr marL="0" lvl="0" indent="0" algn="l">
+                        <a:buNone/>
+                      </a:pPr>
+                      <a:r>
                         <a:t>Spatial stats</a:t>
                       </a:r>
                     </a:p>
                   </a:txBody>
-                </a:tc>
+                  <a:tcPr/>
+                </a:tc>
+                <a:extLst>
+                  <a:ext uri="{0D108BD9-81ED-4DB2-BD59-A6C34878D82A}">
+                    <a16:rowId xmlns:a16="http://schemas.microsoft.com/office/drawing/2014/main" val="10008"/>
+                  </a:ext>
+                </a:extLst>
               </a:tr>
             </a:tbl>
           </a:graphicData>
@@ -6530,6 +6752,9 @@
       </p:graphicFrame>
     </p:spTree>
   </p:cSld>
+  <p:clrMapOvr>
+    <a:masterClrMapping/>
+  </p:clrMapOvr>
 </p:sld>
 </file>
 
@@ -6565,11 +6790,10 @@
           <a:bodyPr/>
           <a:lstStyle/>
           <a:p>
-            <a:pPr lvl="0" indent="0" marL="0">
+            <a:pPr marL="0" lvl="0" indent="0">
               <a:buNone/>
             </a:pPr>
             <a:r>
-              <a:rPr/>
               <a:t>Midterm Exam and Final Project</a:t>
             </a:r>
           </a:p>
@@ -6590,7 +6814,7 @@
           <a:bodyPr/>
           <a:lstStyle/>
           <a:p>
-            <a:pPr lvl="0" indent="0" marL="0">
+            <a:pPr marL="0" lvl="0" indent="0">
               <a:spcBef>
                 <a:spcPts val="3000"/>
               </a:spcBef>
@@ -6602,16 +6826,15 @@
             </a:r>
           </a:p>
           <a:p>
-            <a:pPr lvl="0" indent="0" marL="0">
+            <a:pPr marL="0" lvl="0" indent="0">
               <a:buNone/>
             </a:pPr>
             <a:r>
-              <a:rPr/>
               <a:t>All based on labs and in-class exercises.</a:t>
             </a:r>
           </a:p>
           <a:p>
-            <a:pPr lvl="0" indent="0" marL="0">
+            <a:pPr marL="0" lvl="0" indent="0">
               <a:spcBef>
                 <a:spcPts val="3000"/>
               </a:spcBef>
@@ -6623,11 +6846,10 @@
             </a:r>
           </a:p>
           <a:p>
-            <a:pPr lvl="0" indent="0" marL="0">
+            <a:pPr marL="0" lvl="0" indent="0">
               <a:buNone/>
             </a:pPr>
             <a:r>
-              <a:rPr/>
               <a:t>Presentation only.</a:t>
             </a:r>
           </a:p>
@@ -6635,6 +6857,9 @@
       </p:sp>
     </p:spTree>
   </p:cSld>
+  <p:clrMapOvr>
+    <a:masterClrMapping/>
+  </p:clrMapOvr>
 </p:sld>
 </file>
 
@@ -6670,11 +6895,10 @@
           <a:bodyPr/>
           <a:lstStyle/>
           <a:p>
-            <a:pPr lvl="0" indent="0" marL="0">
+            <a:pPr marL="0" lvl="0" indent="0">
               <a:buNone/>
             </a:pPr>
             <a:r>
-              <a:rPr/>
               <a:t>Software considerations</a:t>
             </a:r>
           </a:p>
@@ -6682,7 +6906,7 @@
       </p:sp>
       <p:pic>
         <p:nvPicPr>
-          <p:cNvPr descr="rstudiologo.png" id="0" name="Picture 1"/>
+          <p:cNvPr id="3" name="Picture 1" descr="rstudiologo.png"/>
           <p:cNvPicPr>
             <a:picLocks noGrp="1" noChangeAspect="1"/>
           </p:cNvPicPr>
@@ -6712,6 +6936,9 @@
       </p:pic>
     </p:spTree>
   </p:cSld>
+  <p:clrMapOvr>
+    <a:masterClrMapping/>
+  </p:clrMapOvr>
 </p:sld>
 </file>
 
@@ -7033,265 +7260,4 @@
   </a:objectDefaults>
   <a:extraClrSchemeLst/>
 </a:theme>
-</file>
-
-<file path=ppt/theme/theme2.xml><?xml version="1.0" encoding="utf-8"?>
-<a:theme xmlns:a="http://schemas.openxmlformats.org/drawingml/2006/main" name="Office Theme">
-  <a:themeElements>
-    <a:clrScheme name="Office">
-      <a:dk1>
-        <a:sysClr val="windowText" lastClr="000000"/>
-      </a:dk1>
-      <a:lt1>
-        <a:sysClr val="window" lastClr="FFFFFF"/>
-      </a:lt1>
-      <a:dk2>
-        <a:srgbClr val="44546A"/>
-      </a:dk2>
-      <a:lt2>
-        <a:srgbClr val="E7E6E6"/>
-      </a:lt2>
-      <a:accent1>
-        <a:srgbClr val="5B9BD5"/>
-      </a:accent1>
-      <a:accent2>
-        <a:srgbClr val="ED7D31"/>
-      </a:accent2>
-      <a:accent3>
-        <a:srgbClr val="A5A5A5"/>
-      </a:accent3>
-      <a:accent4>
-        <a:srgbClr val="FFC000"/>
-      </a:accent4>
-      <a:accent5>
-        <a:srgbClr val="4472C4"/>
-      </a:accent5>
-      <a:accent6>
-        <a:srgbClr val="70AD47"/>
-      </a:accent6>
-      <a:hlink>
-        <a:srgbClr val="0563C1"/>
-      </a:hlink>
-      <a:folHlink>
-        <a:srgbClr val="954F72"/>
-      </a:folHlink>
-    </a:clrScheme>
-    <a:fontScheme name="Office">
-      <a:majorFont>
-        <a:latin typeface="Calibri Light" panose="020F0302020204030204"/>
-        <a:ea typeface=""/>
-        <a:cs typeface=""/>
-        <a:font script="Jpan" typeface="ＭＳ Ｐゴシック"/>
-        <a:font script="Hang" typeface="맑은 고딕"/>
-        <a:font script="Hans" typeface="宋体"/>
-        <a:font script="Hant" typeface="新細明體"/>
-        <a:font script="Arab" typeface="Times New Roman"/>
-        <a:font script="Hebr" typeface="Times New Roman"/>
-        <a:font script="Thai" typeface="Angsana New"/>
-        <a:font script="Ethi" typeface="Nyala"/>
-        <a:font script="Beng" typeface="Vrinda"/>
-        <a:font script="Gujr" typeface="Shruti"/>
-        <a:font script="Khmr" typeface="MoolBoran"/>
-        <a:font script="Knda" typeface="Tunga"/>
-        <a:font script="Guru" typeface="Raavi"/>
-        <a:font script="Cans" typeface="Euphemia"/>
-        <a:font script="Cher" typeface="Plantagenet Cherokee"/>
-        <a:font script="Yiii" typeface="Microsoft Yi Baiti"/>
-        <a:font script="Tibt" typeface="Microsoft Himalaya"/>
-        <a:font script="Thaa" typeface="MV Boli"/>
-        <a:font script="Deva" typeface="Mangal"/>
-        <a:font script="Telu" typeface="Gautami"/>
-        <a:font script="Taml" typeface="Latha"/>
-        <a:font script="Syrc" typeface="Estrangelo Edessa"/>
-        <a:font script="Orya" typeface="Kalinga"/>
-        <a:font script="Mlym" typeface="Kartika"/>
-        <a:font script="Laoo" typeface="DokChampa"/>
-        <a:font script="Sinh" typeface="Iskoola Pota"/>
-        <a:font script="Mong" typeface="Mongolian Baiti"/>
-        <a:font script="Viet" typeface="Times New Roman"/>
-        <a:font script="Uigh" typeface="Microsoft Uighur"/>
-        <a:font script="Geor" typeface="Sylfaen"/>
-      </a:majorFont>
-      <a:minorFont>
-        <a:latin typeface="Calibri" panose="020F0502020204030204"/>
-        <a:ea typeface=""/>
-        <a:cs typeface=""/>
-        <a:font script="Jpan" typeface="ＭＳ Ｐゴシック"/>
-        <a:font script="Hang" typeface="맑은 고딕"/>
-        <a:font script="Hans" typeface="宋体"/>
-        <a:font script="Hant" typeface="新細明體"/>
-        <a:font script="Arab" typeface="Arial"/>
-        <a:font script="Hebr" typeface="Arial"/>
-        <a:font script="Thai" typeface="Cordia New"/>
-        <a:font script="Ethi" typeface="Nyala"/>
-        <a:font script="Beng" typeface="Vrinda"/>
-        <a:font script="Gujr" typeface="Shruti"/>
-        <a:font script="Khmr" typeface="DaunPenh"/>
-        <a:font script="Knda" typeface="Tunga"/>
-        <a:font script="Guru" typeface="Raavi"/>
-        <a:font script="Cans" typeface="Euphemia"/>
-        <a:font script="Cher" typeface="Plantagenet Cherokee"/>
-        <a:font script="Yiii" typeface="Microsoft Yi Baiti"/>
-        <a:font script="Tibt" typeface="Microsoft Himalaya"/>
-        <a:font script="Thaa" typeface="MV Boli"/>
-        <a:font script="Deva" typeface="Mangal"/>
-        <a:font script="Telu" typeface="Gautami"/>
-        <a:font script="Taml" typeface="Latha"/>
-        <a:font script="Syrc" typeface="Estrangelo Edessa"/>
-        <a:font script="Orya" typeface="Kalinga"/>
-        <a:font script="Mlym" typeface="Kartika"/>
-        <a:font script="Laoo" typeface="DokChampa"/>
-        <a:font script="Sinh" typeface="Iskoola Pota"/>
-        <a:font script="Mong" typeface="Mongolian Baiti"/>
-        <a:font script="Viet" typeface="Arial"/>
-        <a:font script="Uigh" typeface="Microsoft Uighur"/>
-        <a:font script="Geor" typeface="Sylfaen"/>
-      </a:minorFont>
-    </a:fontScheme>
-    <a:fmtScheme name="Office">
-      <a:fillStyleLst>
-        <a:solidFill>
-          <a:schemeClr val="phClr"/>
-        </a:solidFill>
-        <a:gradFill rotWithShape="1">
-          <a:gsLst>
-            <a:gs pos="0">
-              <a:schemeClr val="phClr">
-                <a:lumMod val="110000"/>
-                <a:satMod val="105000"/>
-                <a:tint val="67000"/>
-              </a:schemeClr>
-            </a:gs>
-            <a:gs pos="50000">
-              <a:schemeClr val="phClr">
-                <a:lumMod val="105000"/>
-                <a:satMod val="103000"/>
-                <a:tint val="73000"/>
-              </a:schemeClr>
-            </a:gs>
-            <a:gs pos="100000">
-              <a:schemeClr val="phClr">
-                <a:lumMod val="105000"/>
-                <a:satMod val="109000"/>
-                <a:tint val="81000"/>
-              </a:schemeClr>
-            </a:gs>
-          </a:gsLst>
-          <a:lin ang="5400000" scaled="0"/>
-        </a:gradFill>
-        <a:gradFill rotWithShape="1">
-          <a:gsLst>
-            <a:gs pos="0">
-              <a:schemeClr val="phClr">
-                <a:satMod val="103000"/>
-                <a:lumMod val="102000"/>
-                <a:tint val="94000"/>
-              </a:schemeClr>
-            </a:gs>
-            <a:gs pos="50000">
-              <a:schemeClr val="phClr">
-                <a:satMod val="110000"/>
-                <a:lumMod val="100000"/>
-                <a:shade val="100000"/>
-              </a:schemeClr>
-            </a:gs>
-            <a:gs pos="100000">
-              <a:schemeClr val="phClr">
-                <a:lumMod val="99000"/>
-                <a:satMod val="120000"/>
-                <a:shade val="78000"/>
-              </a:schemeClr>
-            </a:gs>
-          </a:gsLst>
-          <a:lin ang="5400000" scaled="0"/>
-        </a:gradFill>
-      </a:fillStyleLst>
-      <a:lnStyleLst>
-        <a:ln w="6350" cap="flat" cmpd="sng" algn="ctr">
-          <a:solidFill>
-            <a:schemeClr val="phClr"/>
-          </a:solidFill>
-          <a:prstDash val="solid"/>
-          <a:miter lim="800000"/>
-        </a:ln>
-        <a:ln w="12700" cap="flat" cmpd="sng" algn="ctr">
-          <a:solidFill>
-            <a:schemeClr val="phClr"/>
-          </a:solidFill>
-          <a:prstDash val="solid"/>
-          <a:miter lim="800000"/>
-        </a:ln>
-        <a:ln w="19050" cap="flat" cmpd="sng" algn="ctr">
-          <a:solidFill>
-            <a:schemeClr val="phClr"/>
-          </a:solidFill>
-          <a:prstDash val="solid"/>
-          <a:miter lim="800000"/>
-        </a:ln>
-      </a:lnStyleLst>
-      <a:effectStyleLst>
-        <a:effectStyle>
-          <a:effectLst/>
-        </a:effectStyle>
-        <a:effectStyle>
-          <a:effectLst/>
-        </a:effectStyle>
-        <a:effectStyle>
-          <a:effectLst>
-            <a:outerShdw blurRad="57150" dist="19050" dir="5400000" algn="ctr" rotWithShape="0">
-              <a:srgbClr val="000000">
-                <a:alpha val="63000"/>
-              </a:srgbClr>
-            </a:outerShdw>
-          </a:effectLst>
-        </a:effectStyle>
-      </a:effectStyleLst>
-      <a:bgFillStyleLst>
-        <a:solidFill>
-          <a:schemeClr val="phClr"/>
-        </a:solidFill>
-        <a:solidFill>
-          <a:schemeClr val="phClr">
-            <a:tint val="95000"/>
-            <a:satMod val="170000"/>
-          </a:schemeClr>
-        </a:solidFill>
-        <a:gradFill rotWithShape="1">
-          <a:gsLst>
-            <a:gs pos="0">
-              <a:schemeClr val="phClr">
-                <a:tint val="93000"/>
-                <a:satMod val="150000"/>
-                <a:shade val="98000"/>
-                <a:lumMod val="102000"/>
-              </a:schemeClr>
-            </a:gs>
-            <a:gs pos="50000">
-              <a:schemeClr val="phClr">
-                <a:tint val="98000"/>
-                <a:satMod val="130000"/>
-                <a:shade val="90000"/>
-                <a:lumMod val="103000"/>
-              </a:schemeClr>
-            </a:gs>
-            <a:gs pos="100000">
-              <a:schemeClr val="phClr">
-                <a:shade val="63000"/>
-                <a:satMod val="120000"/>
-              </a:schemeClr>
-            </a:gs>
-          </a:gsLst>
-          <a:lin ang="5400000" scaled="0"/>
-        </a:gradFill>
-      </a:bgFillStyleLst>
-    </a:fmtScheme>
-  </a:themeElements>
-  <a:objectDefaults/>
-  <a:extraClrSchemeLst/>
-  <a:extLst>
-    <a:ext uri="{05A4C25C-085E-4340-85A3-A5531E510DB2}">
-      <thm15:themeFamily xmlns:thm15="http://schemas.microsoft.com/office/thememl/2012/main" name="Office Theme" id="{62F939B6-93AF-4DB8-9C6B-D6C7DFDC589F}" vid="{4A3C46E8-61CC-4603-A589-7422A47A8E4A}"/>
-    </a:ext>
-  </a:extLst>
-</a:theme>
 </file>